--- a/SEM_ppt.pptx
+++ b/SEM_ppt.pptx
@@ -5,7 +5,7 @@
     <p:sldMasterId id="2147483672" r:id="rId1"/>
   </p:sldMasterIdLst>
   <p:notesMasterIdLst>
-    <p:notesMasterId r:id="rId17"/>
+    <p:notesMasterId r:id="rId16"/>
   </p:notesMasterIdLst>
   <p:sldIdLst>
     <p:sldId id="256" r:id="rId2"/>
@@ -17,12 +17,11 @@
     <p:sldId id="260" r:id="rId8"/>
     <p:sldId id="262" r:id="rId9"/>
     <p:sldId id="275" r:id="rId10"/>
-    <p:sldId id="265" r:id="rId11"/>
-    <p:sldId id="269" r:id="rId12"/>
-    <p:sldId id="270" r:id="rId13"/>
-    <p:sldId id="271" r:id="rId14"/>
-    <p:sldId id="272" r:id="rId15"/>
-    <p:sldId id="277" r:id="rId16"/>
+    <p:sldId id="269" r:id="rId11"/>
+    <p:sldId id="270" r:id="rId12"/>
+    <p:sldId id="271" r:id="rId13"/>
+    <p:sldId id="272" r:id="rId14"/>
+    <p:sldId id="277" r:id="rId15"/>
   </p:sldIdLst>
   <p:sldSz cx="12192000" cy="6858000"/>
   <p:notesSz cx="6858000" cy="9144000"/>
@@ -142,12 +141,12 @@
   <pc:docChgLst>
     <pc:chgData name="Luis Torres-Retamal" userId="78590904-305b-421f-9aca-1a2173906a37" providerId="ADAL" clId="{F4696407-824F-44E3-BADB-9714A8933337}"/>
     <pc:docChg chg="undo custSel addSld delSld modSld sldOrd">
-      <pc:chgData name="Luis Torres-Retamal" userId="78590904-305b-421f-9aca-1a2173906a37" providerId="ADAL" clId="{F4696407-824F-44E3-BADB-9714A8933337}" dt="2021-04-17T16:34:51.142" v="4225" actId="404"/>
+      <pc:chgData name="Luis Torres-Retamal" userId="78590904-305b-421f-9aca-1a2173906a37" providerId="ADAL" clId="{F4696407-824F-44E3-BADB-9714A8933337}" dt="2021-04-18T17:31:39.003" v="4345" actId="47"/>
       <pc:docMkLst>
         <pc:docMk/>
       </pc:docMkLst>
       <pc:sldChg chg="modSp mod">
-        <pc:chgData name="Luis Torres-Retamal" userId="78590904-305b-421f-9aca-1a2173906a37" providerId="ADAL" clId="{F4696407-824F-44E3-BADB-9714A8933337}" dt="2021-04-15T07:06:46.647" v="1555" actId="404"/>
+        <pc:chgData name="Luis Torres-Retamal" userId="78590904-305b-421f-9aca-1a2173906a37" providerId="ADAL" clId="{F4696407-824F-44E3-BADB-9714A8933337}" dt="2021-04-18T17:30:42.370" v="4340" actId="20577"/>
         <pc:sldMkLst>
           <pc:docMk/>
           <pc:sldMk cId="2600070931" sldId="256"/>
@@ -161,7 +160,7 @@
           </ac:spMkLst>
         </pc:spChg>
         <pc:spChg chg="mod">
-          <ac:chgData name="Luis Torres-Retamal" userId="78590904-305b-421f-9aca-1a2173906a37" providerId="ADAL" clId="{F4696407-824F-44E3-BADB-9714A8933337}" dt="2021-04-15T06:30:41.764" v="1552"/>
+          <ac:chgData name="Luis Torres-Retamal" userId="78590904-305b-421f-9aca-1a2173906a37" providerId="ADAL" clId="{F4696407-824F-44E3-BADB-9714A8933337}" dt="2021-04-18T17:30:42.370" v="4340" actId="20577"/>
           <ac:spMkLst>
             <pc:docMk/>
             <pc:sldMk cId="2600070931" sldId="256"/>
@@ -488,8 +487,8 @@
           </ac:spMkLst>
         </pc:spChg>
       </pc:sldChg>
-      <pc:sldChg chg="addSp modSp new mod modNotesTx">
-        <pc:chgData name="Luis Torres-Retamal" userId="78590904-305b-421f-9aca-1a2173906a37" providerId="ADAL" clId="{F4696407-824F-44E3-BADB-9714A8933337}" dt="2021-04-15T10:29:33.633" v="3674" actId="20577"/>
+      <pc:sldChg chg="addSp modSp new del mod modNotesTx">
+        <pc:chgData name="Luis Torres-Retamal" userId="78590904-305b-421f-9aca-1a2173906a37" providerId="ADAL" clId="{F4696407-824F-44E3-BADB-9714A8933337}" dt="2021-04-18T17:31:39.003" v="4345" actId="47"/>
         <pc:sldMkLst>
           <pc:docMk/>
           <pc:sldMk cId="1208315838" sldId="265"/>
@@ -943,13 +942,13 @@
         </pc:spChg>
       </pc:sldChg>
       <pc:sldChg chg="modSp add mod">
-        <pc:chgData name="Luis Torres-Retamal" userId="78590904-305b-421f-9aca-1a2173906a37" providerId="ADAL" clId="{F4696407-824F-44E3-BADB-9714A8933337}" dt="2021-04-16T07:06:38.412" v="3987" actId="6549"/>
+        <pc:chgData name="Luis Torres-Retamal" userId="78590904-305b-421f-9aca-1a2173906a37" providerId="ADAL" clId="{F4696407-824F-44E3-BADB-9714A8933337}" dt="2021-04-18T17:31:12.266" v="4344" actId="20577"/>
         <pc:sldMkLst>
           <pc:docMk/>
           <pc:sldMk cId="347168828" sldId="275"/>
         </pc:sldMkLst>
         <pc:spChg chg="mod">
-          <ac:chgData name="Luis Torres-Retamal" userId="78590904-305b-421f-9aca-1a2173906a37" providerId="ADAL" clId="{F4696407-824F-44E3-BADB-9714A8933337}" dt="2021-04-16T07:06:38.412" v="3987" actId="6549"/>
+          <ac:chgData name="Luis Torres-Retamal" userId="78590904-305b-421f-9aca-1a2173906a37" providerId="ADAL" clId="{F4696407-824F-44E3-BADB-9714A8933337}" dt="2021-04-18T17:31:12.266" v="4344" actId="20577"/>
           <ac:spMkLst>
             <pc:docMk/>
             <pc:sldMk cId="347168828" sldId="275"/>
@@ -1506,7 +1505,7 @@
           <a:p>
             <a:fld id="{7AC84A31-A700-41AA-8B50-8406416768CA}" type="datetimeFigureOut">
               <a:rPr lang="en-GB" smtClean="0"/>
-              <a:t>17/04/2021</a:t>
+              <a:t>18/04/2021</a:t>
             </a:fld>
             <a:endParaRPr lang="en-GB"/>
           </a:p>
@@ -2073,221 +2072,6 @@
 </p:notes>
 </file>
 
-<file path=ppt/notesSlides/notesSlide3.xml><?xml version="1.0" encoding="utf-8"?>
-<p:notes xmlns:a="http://schemas.openxmlformats.org/drawingml/2006/main" xmlns:r="http://schemas.openxmlformats.org/officeDocument/2006/relationships" xmlns:p="http://schemas.openxmlformats.org/presentationml/2006/main">
-  <p:cSld>
-    <p:spTree>
-      <p:nvGrpSpPr>
-        <p:cNvPr id="1" name=""/>
-        <p:cNvGrpSpPr/>
-        <p:nvPr/>
-      </p:nvGrpSpPr>
-      <p:grpSpPr>
-        <a:xfrm>
-          <a:off x="0" y="0"/>
-          <a:ext cx="0" cy="0"/>
-          <a:chOff x="0" y="0"/>
-          <a:chExt cx="0" cy="0"/>
-        </a:xfrm>
-      </p:grpSpPr>
-      <p:sp>
-        <p:nvSpPr>
-          <p:cNvPr id="2" name="Slide Image Placeholder 1"/>
-          <p:cNvSpPr>
-            <a:spLocks noGrp="1" noRot="1" noChangeAspect="1"/>
-          </p:cNvSpPr>
-          <p:nvPr>
-            <p:ph type="sldImg"/>
-          </p:nvPr>
-        </p:nvSpPr>
-        <p:spPr/>
-      </p:sp>
-      <p:sp>
-        <p:nvSpPr>
-          <p:cNvPr id="3" name="Notes Placeholder 2"/>
-          <p:cNvSpPr>
-            <a:spLocks noGrp="1"/>
-          </p:cNvSpPr>
-          <p:nvPr>
-            <p:ph type="body" idx="1"/>
-          </p:nvPr>
-        </p:nvSpPr>
-        <p:spPr/>
-        <p:txBody>
-          <a:bodyPr/>
-          <a:lstStyle/>
-          <a:p>
-            <a:pPr marL="228600" indent="-228600">
-              <a:buAutoNum type="arabicParenBoth"/>
-            </a:pPr>
-            <a:r>
-              <a:rPr lang="en-GB" dirty="0"/>
-              <a:t>This assumption is violated in</a:t>
-            </a:r>
-            <a:r>
-              <a:rPr lang="en-GB" baseline="0" dirty="0"/>
-              <a:t> the case of clustered sampling with intra-class correlations ≠ 0. In such situations multi-level extensions of SEM have to be used. Similarly, in the case of longitudinal data this assumption is likely to be violated, and models have to include specifications to account for this. </a:t>
-            </a:r>
-            <a:br>
-              <a:rPr lang="en-GB" baseline="0" dirty="0"/>
-            </a:br>
-            <a:endParaRPr lang="en-GB" baseline="0" dirty="0"/>
-          </a:p>
-          <a:p>
-            <a:pPr marL="228600" indent="-228600">
-              <a:buAutoNum type="arabicParenBoth"/>
-            </a:pPr>
-            <a:r>
-              <a:rPr lang="en-GB" dirty="0"/>
-              <a:t>This is violated in</a:t>
-            </a:r>
-            <a:r>
-              <a:rPr lang="en-GB" baseline="0" dirty="0"/>
-              <a:t> the case where different groups of individual-level cases follow different multivariate distributions, and in the case of (individual-level) outliers.</a:t>
-            </a:r>
-            <a:br>
-              <a:rPr lang="en-GB" baseline="0" dirty="0"/>
-            </a:br>
-            <a:endParaRPr lang="en-GB" baseline="0" dirty="0"/>
-          </a:p>
-          <a:p>
-            <a:pPr marL="228600" indent="-228600">
-              <a:buAutoNum type="arabicParenBoth"/>
-            </a:pPr>
-            <a:r>
-              <a:rPr lang="en-GB" dirty="0"/>
-              <a:t>Relatively little is known about the robustness of outcomes for violations of some of these assumptions</a:t>
-            </a:r>
-            <a:br>
-              <a:rPr lang="en-GB" dirty="0"/>
-            </a:br>
-            <a:endParaRPr lang="en-GB" dirty="0"/>
-          </a:p>
-          <a:p>
-            <a:pPr marL="228600" indent="-228600">
-              <a:buAutoNum type="arabicParenBoth"/>
-            </a:pPr>
-            <a:r>
-              <a:rPr lang="en-GB" dirty="0"/>
-              <a:t>This assumption is also</a:t>
-            </a:r>
-            <a:r>
-              <a:rPr lang="en-GB" baseline="0" dirty="0"/>
-              <a:t> made in standard regression analysis. It is an utterly unrealistic assumption. One of advantage of SEM over regression is that when some of the independent variables in regression become endogenous variables in SEM, the number of variables for which this assumption is made is reduced. </a:t>
-            </a:r>
-          </a:p>
-          <a:p>
-            <a:pPr marL="228600" marR="0" indent="-228600" algn="l" defTabSz="914400" rtl="0" eaLnBrk="1" fontAlgn="auto" latinLnBrk="0" hangingPunct="1">
-              <a:lnSpc>
-                <a:spcPct val="100000"/>
-              </a:lnSpc>
-              <a:spcBef>
-                <a:spcPts val="0"/>
-              </a:spcBef>
-              <a:spcAft>
-                <a:spcPts val="0"/>
-              </a:spcAft>
-              <a:buClrTx/>
-              <a:buSzTx/>
-              <a:buFont typeface="+mj-lt"/>
-              <a:buAutoNum type="arabicParenR" startAt="5"/>
-              <a:tabLst/>
-              <a:defRPr/>
-            </a:pPr>
-            <a:r>
-              <a:rPr lang="en-GB" dirty="0"/>
-              <a:t>Relatively little is known about the robustness of outcomes for violations of some of these assumptions</a:t>
-            </a:r>
-            <a:br>
-              <a:rPr lang="en-GB" dirty="0"/>
-            </a:br>
-            <a:endParaRPr lang="en-GB" dirty="0"/>
-          </a:p>
-          <a:p>
-            <a:pPr marL="228600" marR="0" indent="-228600" algn="l" defTabSz="914400" rtl="0" eaLnBrk="1" fontAlgn="auto" latinLnBrk="0" hangingPunct="1">
-              <a:lnSpc>
-                <a:spcPct val="100000"/>
-              </a:lnSpc>
-              <a:spcBef>
-                <a:spcPts val="0"/>
-              </a:spcBef>
-              <a:spcAft>
-                <a:spcPts val="0"/>
-              </a:spcAft>
-              <a:buClrTx/>
-              <a:buSzTx/>
-              <a:buFont typeface="+mj-lt"/>
-              <a:buAutoNum type="arabicParenR" startAt="5"/>
-              <a:tabLst/>
-              <a:defRPr/>
-            </a:pPr>
-            <a:r>
-              <a:rPr lang="en-GB" dirty="0"/>
-              <a:t>This is easily violated when</a:t>
-            </a:r>
-            <a:r>
-              <a:rPr lang="en-GB" baseline="0" dirty="0"/>
-              <a:t> observed variables are ordered-categorical (e.g., in the case of much survey-based data). The consequences of such violations for the (CFA) measurement part are known and consist in severe risks of </a:t>
-            </a:r>
-            <a:r>
-              <a:rPr lang="en-GB" baseline="0" dirty="0" err="1"/>
-              <a:t>overdimensionalisation</a:t>
-            </a:r>
-            <a:r>
-              <a:rPr lang="en-GB" baseline="0" dirty="0"/>
-              <a:t> (or unacceptably poor fit of the measurement parts of the model; see van der </a:t>
-            </a:r>
-            <a:r>
-              <a:rPr lang="en-GB" baseline="0" dirty="0" err="1"/>
-              <a:t>Eijk</a:t>
-            </a:r>
-            <a:r>
-              <a:rPr lang="en-GB" baseline="0" dirty="0"/>
-              <a:t> and Rose 2015). Less is known about the consequences of such violations for the structural part of a model. </a:t>
-            </a:r>
-            <a:endParaRPr lang="en-GB" dirty="0"/>
-          </a:p>
-          <a:p>
-            <a:endParaRPr lang="en-GB" dirty="0"/>
-          </a:p>
-        </p:txBody>
-      </p:sp>
-      <p:sp>
-        <p:nvSpPr>
-          <p:cNvPr id="4" name="Slide Number Placeholder 3"/>
-          <p:cNvSpPr>
-            <a:spLocks noGrp="1"/>
-          </p:cNvSpPr>
-          <p:nvPr>
-            <p:ph type="sldNum" sz="quarter" idx="5"/>
-          </p:nvPr>
-        </p:nvSpPr>
-        <p:spPr/>
-        <p:txBody>
-          <a:bodyPr/>
-          <a:lstStyle/>
-          <a:p>
-            <a:fld id="{84AA1107-CC3F-49E2-8E7A-87CF6D4BCBFE}" type="slidenum">
-              <a:rPr lang="en-GB" smtClean="0"/>
-              <a:t>10</a:t>
-            </a:fld>
-            <a:endParaRPr lang="en-GB"/>
-          </a:p>
-        </p:txBody>
-      </p:sp>
-    </p:spTree>
-    <p:extLst>
-      <p:ext uri="{BB962C8B-B14F-4D97-AF65-F5344CB8AC3E}">
-        <p14:creationId xmlns:p14="http://schemas.microsoft.com/office/powerpoint/2010/main" val="1946469044"/>
-      </p:ext>
-    </p:extLst>
-  </p:cSld>
-  <p:clrMapOvr>
-    <a:masterClrMapping/>
-  </p:clrMapOvr>
-</p:notes>
-</file>
-
 <file path=ppt/slideLayouts/slideLayout1.xml><?xml version="1.0" encoding="utf-8"?>
 <p:sldLayout xmlns:a="http://schemas.openxmlformats.org/drawingml/2006/main" xmlns:r="http://schemas.openxmlformats.org/officeDocument/2006/relationships" xmlns:p="http://schemas.openxmlformats.org/presentationml/2006/main" showMasterSp="0" type="title" preserve="1">
   <p:cSld name="Title Slide">
@@ -2691,7 +2475,7 @@
           <a:p>
             <a:fld id="{6109EDE2-A543-495A-AB9B-BB2A45FC9F00}" type="datetimeFigureOut">
               <a:rPr lang="en-GB" smtClean="0"/>
-              <a:t>17/04/2021</a:t>
+              <a:t>18/04/2021</a:t>
             </a:fld>
             <a:endParaRPr lang="en-GB"/>
           </a:p>
@@ -2870,7 +2654,7 @@
           <a:p>
             <a:fld id="{6109EDE2-A543-495A-AB9B-BB2A45FC9F00}" type="datetimeFigureOut">
               <a:rPr lang="en-GB" smtClean="0"/>
-              <a:t>17/04/2021</a:t>
+              <a:t>18/04/2021</a:t>
             </a:fld>
             <a:endParaRPr lang="en-GB"/>
           </a:p>
@@ -3050,7 +2834,7 @@
           <a:p>
             <a:fld id="{6109EDE2-A543-495A-AB9B-BB2A45FC9F00}" type="datetimeFigureOut">
               <a:rPr lang="en-GB" smtClean="0"/>
-              <a:t>17/04/2021</a:t>
+              <a:t>18/04/2021</a:t>
             </a:fld>
             <a:endParaRPr lang="en-GB"/>
           </a:p>
@@ -3220,7 +3004,7 @@
           <a:p>
             <a:fld id="{6109EDE2-A543-495A-AB9B-BB2A45FC9F00}" type="datetimeFigureOut">
               <a:rPr lang="en-GB" smtClean="0"/>
-              <a:t>17/04/2021</a:t>
+              <a:t>18/04/2021</a:t>
             </a:fld>
             <a:endParaRPr lang="en-GB"/>
           </a:p>
@@ -3533,7 +3317,7 @@
           <a:p>
             <a:fld id="{6109EDE2-A543-495A-AB9B-BB2A45FC9F00}" type="datetimeFigureOut">
               <a:rPr lang="en-GB" smtClean="0"/>
-              <a:t>17/04/2021</a:t>
+              <a:t>18/04/2021</a:t>
             </a:fld>
             <a:endParaRPr lang="en-GB"/>
           </a:p>
@@ -3919,7 +3703,7 @@
           <a:p>
             <a:fld id="{6109EDE2-A543-495A-AB9B-BB2A45FC9F00}" type="datetimeFigureOut">
               <a:rPr lang="en-GB" smtClean="0"/>
-              <a:t>17/04/2021</a:t>
+              <a:t>18/04/2021</a:t>
             </a:fld>
             <a:endParaRPr lang="en-GB"/>
           </a:p>
@@ -4353,7 +4137,7 @@
           <a:p>
             <a:fld id="{6109EDE2-A543-495A-AB9B-BB2A45FC9F00}" type="datetimeFigureOut">
               <a:rPr lang="en-GB" smtClean="0"/>
-              <a:t>17/04/2021</a:t>
+              <a:t>18/04/2021</a:t>
             </a:fld>
             <a:endParaRPr lang="en-GB"/>
           </a:p>
@@ -4471,7 +4255,7 @@
           <a:p>
             <a:fld id="{6109EDE2-A543-495A-AB9B-BB2A45FC9F00}" type="datetimeFigureOut">
               <a:rPr lang="en-GB" smtClean="0"/>
-              <a:t>17/04/2021</a:t>
+              <a:t>18/04/2021</a:t>
             </a:fld>
             <a:endParaRPr lang="en-GB"/>
           </a:p>
@@ -4566,7 +4350,7 @@
           <a:p>
             <a:fld id="{6109EDE2-A543-495A-AB9B-BB2A45FC9F00}" type="datetimeFigureOut">
               <a:rPr lang="en-GB" smtClean="0"/>
-              <a:t>17/04/2021</a:t>
+              <a:t>18/04/2021</a:t>
             </a:fld>
             <a:endParaRPr lang="en-GB"/>
           </a:p>
@@ -4916,7 +4700,7 @@
           <a:p>
             <a:fld id="{6109EDE2-A543-495A-AB9B-BB2A45FC9F00}" type="datetimeFigureOut">
               <a:rPr lang="en-GB" smtClean="0"/>
-              <a:t>17/04/2021</a:t>
+              <a:t>18/04/2021</a:t>
             </a:fld>
             <a:endParaRPr lang="en-GB"/>
           </a:p>
@@ -5341,7 +5125,7 @@
           <a:p>
             <a:fld id="{6109EDE2-A543-495A-AB9B-BB2A45FC9F00}" type="datetimeFigureOut">
               <a:rPr lang="en-GB" smtClean="0"/>
-              <a:t>17/04/2021</a:t>
+              <a:t>18/04/2021</a:t>
             </a:fld>
             <a:endParaRPr lang="en-GB"/>
           </a:p>
@@ -5622,7 +5406,7 @@
           <a:p>
             <a:fld id="{6109EDE2-A543-495A-AB9B-BB2A45FC9F00}" type="datetimeFigureOut">
               <a:rPr lang="en-GB" smtClean="0"/>
-              <a:t>17/04/2021</a:t>
+              <a:t>18/04/2021</a:t>
             </a:fld>
             <a:endParaRPr lang="en-GB"/>
           </a:p>
@@ -6242,10 +6026,15 @@
             <p:ph type="subTitle" idx="1"/>
           </p:nvPr>
         </p:nvSpPr>
-        <p:spPr/>
+        <p:spPr>
+          <a:xfrm>
+            <a:off x="1069848" y="4389119"/>
+            <a:ext cx="7891272" cy="1487805"/>
+          </a:xfrm>
+        </p:spPr>
         <p:txBody>
           <a:bodyPr>
-            <a:normAutofit fontScale="92500" lnSpcReduction="20000"/>
+            <a:normAutofit fontScale="62500" lnSpcReduction="20000"/>
           </a:bodyPr>
           <a:lstStyle/>
           <a:p>
@@ -6260,7 +6049,19 @@
           <a:p>
             <a:r>
               <a:rPr lang="en-GB" dirty="0"/>
+              <a:t>Assistant Professor in OB, Business &amp; Society</a:t>
+            </a:r>
+          </a:p>
+          <a:p>
+            <a:r>
+              <a:rPr lang="en-GB" dirty="0"/>
               <a:t>Nottingham University Business School</a:t>
+            </a:r>
+          </a:p>
+          <a:p>
+            <a:r>
+              <a:rPr lang="en-GB" dirty="0"/>
+              <a:t>luis.torres@nottingham.ac.uk</a:t>
             </a:r>
           </a:p>
         </p:txBody>
@@ -6279,209 +6080,6 @@
 </file>
 
 <file path=ppt/slides/slide10.xml><?xml version="1.0" encoding="utf-8"?>
-<p:sld xmlns:a="http://schemas.openxmlformats.org/drawingml/2006/main" xmlns:r="http://schemas.openxmlformats.org/officeDocument/2006/relationships" xmlns:p="http://schemas.openxmlformats.org/presentationml/2006/main">
-  <p:cSld>
-    <p:spTree>
-      <p:nvGrpSpPr>
-        <p:cNvPr id="1" name=""/>
-        <p:cNvGrpSpPr/>
-        <p:nvPr/>
-      </p:nvGrpSpPr>
-      <p:grpSpPr>
-        <a:xfrm>
-          <a:off x="0" y="0"/>
-          <a:ext cx="0" cy="0"/>
-          <a:chOff x="0" y="0"/>
-          <a:chExt cx="0" cy="0"/>
-        </a:xfrm>
-      </p:grpSpPr>
-      <p:sp>
-        <p:nvSpPr>
-          <p:cNvPr id="2" name="Title 1">
-            <a:extLst>
-              <a:ext uri="{FF2B5EF4-FFF2-40B4-BE49-F238E27FC236}">
-                <a16:creationId xmlns:a16="http://schemas.microsoft.com/office/drawing/2014/main" id="{FB1CA994-670E-4A33-B2EB-AA5C5B34D923}"/>
-              </a:ext>
-            </a:extLst>
-          </p:cNvPr>
-          <p:cNvSpPr>
-            <a:spLocks noGrp="1"/>
-          </p:cNvSpPr>
-          <p:nvPr>
-            <p:ph type="title"/>
-          </p:nvPr>
-        </p:nvSpPr>
-        <p:spPr/>
-        <p:txBody>
-          <a:bodyPr/>
-          <a:lstStyle/>
-          <a:p>
-            <a:r>
-              <a:rPr lang="en-GB" dirty="0"/>
-              <a:t>Basic assumptions </a:t>
-            </a:r>
-          </a:p>
-        </p:txBody>
-      </p:sp>
-      <p:sp>
-        <p:nvSpPr>
-          <p:cNvPr id="3" name="Content Placeholder 2">
-            <a:extLst>
-              <a:ext uri="{FF2B5EF4-FFF2-40B4-BE49-F238E27FC236}">
-                <a16:creationId xmlns:a16="http://schemas.microsoft.com/office/drawing/2014/main" id="{43C80608-418A-410F-BFA3-35F2DCB8E598}"/>
-              </a:ext>
-            </a:extLst>
-          </p:cNvPr>
-          <p:cNvSpPr>
-            <a:spLocks noGrp="1"/>
-          </p:cNvSpPr>
-          <p:nvPr>
-            <p:ph idx="1"/>
-          </p:nvPr>
-        </p:nvSpPr>
-        <p:spPr>
-          <a:xfrm>
-            <a:off x="1069848" y="2121408"/>
-            <a:ext cx="7035927" cy="4050792"/>
-          </a:xfrm>
-        </p:spPr>
-        <p:txBody>
-          <a:bodyPr>
-            <a:normAutofit lnSpcReduction="10000"/>
-          </a:bodyPr>
-          <a:lstStyle/>
-          <a:p>
-            <a:pPr marL="914400" lvl="1" indent="-457200">
-              <a:buFont typeface="+mj-lt"/>
-              <a:buAutoNum type="arabicPeriod"/>
-            </a:pPr>
-            <a:r>
-              <a:rPr lang="en-GB" dirty="0"/>
-              <a:t>The individual-level observations underlying the correlations (or co-variances) are sampled independently </a:t>
-            </a:r>
-          </a:p>
-          <a:p>
-            <a:pPr marL="914400" lvl="1" indent="-457200">
-              <a:buFont typeface="+mj-lt"/>
-              <a:buAutoNum type="arabicPeriod"/>
-            </a:pPr>
-            <a:r>
-              <a:rPr lang="en-GB" dirty="0"/>
-              <a:t>Unit-homogeneity</a:t>
-            </a:r>
-          </a:p>
-          <a:p>
-            <a:pPr marL="914400" lvl="1" indent="-457200">
-              <a:buFont typeface="+mj-lt"/>
-              <a:buAutoNum type="arabicPeriod"/>
-            </a:pPr>
-            <a:r>
-              <a:rPr lang="en-GB" dirty="0"/>
-              <a:t>(measurement) error terms have expected values of 0, are independent of each other at the individual level, are independent of  latent variables, follow a multivariate normal distribution </a:t>
-            </a:r>
-          </a:p>
-          <a:p>
-            <a:pPr marL="914400" lvl="1" indent="-457200">
-              <a:buFont typeface="+mj-lt"/>
-              <a:buAutoNum type="arabicPeriod"/>
-            </a:pPr>
-            <a:r>
-              <a:rPr lang="en-GB" dirty="0"/>
-              <a:t>Distribution of latent exogenous variables is multivariate normal; manifest exogenous variables are measured without error</a:t>
-            </a:r>
-          </a:p>
-          <a:p>
-            <a:pPr marL="914400" lvl="1" indent="-457200">
-              <a:buFont typeface="+mj-lt"/>
-              <a:buAutoNum type="arabicPeriod"/>
-            </a:pPr>
-            <a:r>
-              <a:rPr lang="en-GB" dirty="0"/>
-              <a:t>Structural disturbances have expected value 0, follow a multivariate normal distribution, and are independent of latent exogenous variables</a:t>
-            </a:r>
-          </a:p>
-          <a:p>
-            <a:pPr marL="914400" lvl="1" indent="-457200">
-              <a:buFont typeface="+mj-lt"/>
-              <a:buAutoNum type="arabicPeriod"/>
-            </a:pPr>
-            <a:r>
-              <a:rPr lang="en-GB" dirty="0"/>
-              <a:t>Observed relationships between variables are linear and additive</a:t>
-            </a:r>
-          </a:p>
-          <a:p>
-            <a:pPr marL="914400" lvl="1" indent="-457200">
-              <a:buFont typeface="+mj-lt"/>
-              <a:buAutoNum type="arabicPeriod"/>
-            </a:pPr>
-            <a:endParaRPr lang="en-GB" dirty="0"/>
-          </a:p>
-        </p:txBody>
-      </p:sp>
-      <p:sp>
-        <p:nvSpPr>
-          <p:cNvPr id="4" name="Oval 3">
-            <a:extLst>
-              <a:ext uri="{FF2B5EF4-FFF2-40B4-BE49-F238E27FC236}">
-                <a16:creationId xmlns:a16="http://schemas.microsoft.com/office/drawing/2014/main" id="{E33A44A8-46D7-40A3-8669-D90319C79921}"/>
-              </a:ext>
-            </a:extLst>
-          </p:cNvPr>
-          <p:cNvSpPr/>
-          <p:nvPr/>
-        </p:nvSpPr>
-        <p:spPr>
-          <a:xfrm>
-            <a:off x="8648700" y="2617851"/>
-            <a:ext cx="3295650" cy="2744724"/>
-          </a:xfrm>
-          <a:prstGeom prst="ellipse">
-            <a:avLst/>
-          </a:prstGeom>
-        </p:spPr>
-        <p:style>
-          <a:lnRef idx="2">
-            <a:schemeClr val="accent1">
-              <a:shade val="50000"/>
-            </a:schemeClr>
-          </a:lnRef>
-          <a:fillRef idx="1">
-            <a:schemeClr val="accent1"/>
-          </a:fillRef>
-          <a:effectRef idx="0">
-            <a:schemeClr val="accent1"/>
-          </a:effectRef>
-          <a:fontRef idx="minor">
-            <a:schemeClr val="lt1"/>
-          </a:fontRef>
-        </p:style>
-        <p:txBody>
-          <a:bodyPr rtlCol="0" anchor="ctr"/>
-          <a:lstStyle/>
-          <a:p>
-            <a:pPr algn="ctr"/>
-            <a:r>
-              <a:rPr lang="en-GB" dirty="0"/>
-              <a:t>The good news is that normality requirements are more flexible depending on the estimation procedure we use</a:t>
-            </a:r>
-          </a:p>
-        </p:txBody>
-      </p:sp>
-    </p:spTree>
-    <p:extLst>
-      <p:ext uri="{BB962C8B-B14F-4D97-AF65-F5344CB8AC3E}">
-        <p14:creationId xmlns:p14="http://schemas.microsoft.com/office/powerpoint/2010/main" val="1208315838"/>
-      </p:ext>
-    </p:extLst>
-  </p:cSld>
-  <p:clrMapOvr>
-    <a:masterClrMapping/>
-  </p:clrMapOvr>
-</p:sld>
-</file>
-
-<file path=ppt/slides/slide11.xml><?xml version="1.0" encoding="utf-8"?>
 <p:sld xmlns:a="http://schemas.openxmlformats.org/drawingml/2006/main" xmlns:r="http://schemas.openxmlformats.org/officeDocument/2006/relationships" xmlns:p="http://schemas.openxmlformats.org/presentationml/2006/main">
   <p:cSld>
     <p:spTree>
@@ -6749,7 +6347,7 @@
 </p:sld>
 </file>
 
-<file path=ppt/slides/slide12.xml><?xml version="1.0" encoding="utf-8"?>
+<file path=ppt/slides/slide11.xml><?xml version="1.0" encoding="utf-8"?>
 <p:sld xmlns:a="http://schemas.openxmlformats.org/drawingml/2006/main" xmlns:r="http://schemas.openxmlformats.org/officeDocument/2006/relationships" xmlns:p="http://schemas.openxmlformats.org/presentationml/2006/main">
   <p:cSld>
     <p:spTree>
@@ -7132,7 +6730,7 @@
 </p:sld>
 </file>
 
-<file path=ppt/slides/slide13.xml><?xml version="1.0" encoding="utf-8"?>
+<file path=ppt/slides/slide12.xml><?xml version="1.0" encoding="utf-8"?>
 <p:sld xmlns:a="http://schemas.openxmlformats.org/drawingml/2006/main" xmlns:r="http://schemas.openxmlformats.org/officeDocument/2006/relationships" xmlns:p="http://schemas.openxmlformats.org/presentationml/2006/main">
   <p:cSld>
     <p:spTree>
@@ -7285,7 +6883,7 @@
 </p:sld>
 </file>
 
-<file path=ppt/slides/slide14.xml><?xml version="1.0" encoding="utf-8"?>
+<file path=ppt/slides/slide13.xml><?xml version="1.0" encoding="utf-8"?>
 <p:sld xmlns:a="http://schemas.openxmlformats.org/drawingml/2006/main" xmlns:r="http://schemas.openxmlformats.org/officeDocument/2006/relationships" xmlns:p="http://schemas.openxmlformats.org/presentationml/2006/main">
   <p:cSld>
     <p:spTree>
@@ -7500,7 +7098,7 @@
 </p:sld>
 </file>
 
-<file path=ppt/slides/slide15.xml><?xml version="1.0" encoding="utf-8"?>
+<file path=ppt/slides/slide14.xml><?xml version="1.0" encoding="utf-8"?>
 <p:sld xmlns:a="http://schemas.openxmlformats.org/drawingml/2006/main" xmlns:r="http://schemas.openxmlformats.org/officeDocument/2006/relationships" xmlns:p="http://schemas.openxmlformats.org/presentationml/2006/main">
   <p:cSld>
     <p:spTree>
@@ -10249,7 +9847,7 @@
             </a:pPr>
             <a:r>
               <a:rPr lang="en-GB" dirty="0"/>
-              <a:t>Observations are drawn from a continuous and multivariate normal population</a:t>
+              <a:t>Observations are drawn from a continuous and multivariate normal population (?)</a:t>
             </a:r>
           </a:p>
           <a:p>

--- a/SEM_ppt.pptx
+++ b/SEM_ppt.pptx
@@ -5,16 +5,16 @@
     <p:sldMasterId id="2147483672" r:id="rId1"/>
   </p:sldMasterIdLst>
   <p:notesMasterIdLst>
-    <p:notesMasterId r:id="rId16"/>
+    <p:notesMasterId r:id="rId17"/>
   </p:notesMasterIdLst>
   <p:sldIdLst>
     <p:sldId id="256" r:id="rId2"/>
     <p:sldId id="257" r:id="rId3"/>
     <p:sldId id="276" r:id="rId4"/>
-    <p:sldId id="258" r:id="rId5"/>
-    <p:sldId id="259" r:id="rId6"/>
-    <p:sldId id="261" r:id="rId7"/>
-    <p:sldId id="260" r:id="rId8"/>
+    <p:sldId id="259" r:id="rId5"/>
+    <p:sldId id="261" r:id="rId6"/>
+    <p:sldId id="260" r:id="rId7"/>
+    <p:sldId id="258" r:id="rId8"/>
     <p:sldId id="262" r:id="rId9"/>
     <p:sldId id="275" r:id="rId10"/>
     <p:sldId id="269" r:id="rId11"/>
@@ -22,6 +22,7 @@
     <p:sldId id="271" r:id="rId13"/>
     <p:sldId id="272" r:id="rId14"/>
     <p:sldId id="277" r:id="rId15"/>
+    <p:sldId id="279" r:id="rId16"/>
   </p:sldIdLst>
   <p:sldSz cx="12192000" cy="6858000"/>
   <p:notesSz cx="6858000" cy="9144000"/>
@@ -131,7 +132,7 @@
 <file path=ppt/revisionInfo.xml><?xml version="1.0" encoding="utf-8"?>
 <p1510:revInfo xmlns:a="http://schemas.openxmlformats.org/drawingml/2006/main" xmlns:r="http://schemas.openxmlformats.org/officeDocument/2006/relationships" xmlns:p1510="http://schemas.microsoft.com/office/powerpoint/2015/10/main">
   <p1510:revLst>
-    <p1510:client id="{F4696407-824F-44E3-BADB-9714A8933337}" v="78" dt="2021-04-17T16:34:31.627"/>
+    <p1510:client id="{F4696407-824F-44E3-BADB-9714A8933337}" v="81" dt="2021-04-19T06:32:57.279"/>
   </p1510:revLst>
 </p1510:revInfo>
 </file>
@@ -141,7 +142,7 @@
   <pc:docChgLst>
     <pc:chgData name="Luis Torres-Retamal" userId="78590904-305b-421f-9aca-1a2173906a37" providerId="ADAL" clId="{F4696407-824F-44E3-BADB-9714A8933337}"/>
     <pc:docChg chg="undo custSel addSld delSld modSld sldOrd">
-      <pc:chgData name="Luis Torres-Retamal" userId="78590904-305b-421f-9aca-1a2173906a37" providerId="ADAL" clId="{F4696407-824F-44E3-BADB-9714A8933337}" dt="2021-04-18T17:31:39.003" v="4345" actId="47"/>
+      <pc:chgData name="Luis Torres-Retamal" userId="78590904-305b-421f-9aca-1a2173906a37" providerId="ADAL" clId="{F4696407-824F-44E3-BADB-9714A8933337}" dt="2021-04-19T07:01:53.176" v="4892" actId="14100"/>
       <pc:docMkLst>
         <pc:docMk/>
       </pc:docMkLst>
@@ -191,8 +192,8 @@
           </ac:spMkLst>
         </pc:spChg>
       </pc:sldChg>
-      <pc:sldChg chg="modSp new mod">
-        <pc:chgData name="Luis Torres-Retamal" userId="78590904-305b-421f-9aca-1a2173906a37" providerId="ADAL" clId="{F4696407-824F-44E3-BADB-9714A8933337}" dt="2021-04-16T07:28:39.815" v="3997" actId="6549"/>
+      <pc:sldChg chg="modSp new mod ord">
+        <pc:chgData name="Luis Torres-Retamal" userId="78590904-305b-421f-9aca-1a2173906a37" providerId="ADAL" clId="{F4696407-824F-44E3-BADB-9714A8933337}" dt="2021-04-19T06:26:09.043" v="4551"/>
         <pc:sldMkLst>
           <pc:docMk/>
           <pc:sldMk cId="2480622510" sldId="258"/>
@@ -215,13 +216,13 @@
         </pc:spChg>
       </pc:sldChg>
       <pc:sldChg chg="addSp delSp modSp new mod">
-        <pc:chgData name="Luis Torres-Retamal" userId="78590904-305b-421f-9aca-1a2173906a37" providerId="ADAL" clId="{F4696407-824F-44E3-BADB-9714A8933337}" dt="2021-04-15T07:07:24.734" v="1624" actId="6549"/>
+        <pc:chgData name="Luis Torres-Retamal" userId="78590904-305b-421f-9aca-1a2173906a37" providerId="ADAL" clId="{F4696407-824F-44E3-BADB-9714A8933337}" dt="2021-04-19T06:31:25.724" v="4697" actId="20577"/>
         <pc:sldMkLst>
           <pc:docMk/>
           <pc:sldMk cId="3299329696" sldId="259"/>
         </pc:sldMkLst>
         <pc:spChg chg="mod">
-          <ac:chgData name="Luis Torres-Retamal" userId="78590904-305b-421f-9aca-1a2173906a37" providerId="ADAL" clId="{F4696407-824F-44E3-BADB-9714A8933337}" dt="2021-04-15T06:30:41.764" v="1552"/>
+          <ac:chgData name="Luis Torres-Retamal" userId="78590904-305b-421f-9aca-1a2173906a37" providerId="ADAL" clId="{F4696407-824F-44E3-BADB-9714A8933337}" dt="2021-04-19T06:26:41.796" v="4596" actId="20577"/>
           <ac:spMkLst>
             <pc:docMk/>
             <pc:sldMk cId="3299329696" sldId="259"/>
@@ -245,7 +246,7 @@
           </ac:spMkLst>
         </pc:spChg>
         <pc:graphicFrameChg chg="add mod modGraphic">
-          <ac:chgData name="Luis Torres-Retamal" userId="78590904-305b-421f-9aca-1a2173906a37" providerId="ADAL" clId="{F4696407-824F-44E3-BADB-9714A8933337}" dt="2021-04-15T07:07:24.734" v="1624" actId="6549"/>
+          <ac:chgData name="Luis Torres-Retamal" userId="78590904-305b-421f-9aca-1a2173906a37" providerId="ADAL" clId="{F4696407-824F-44E3-BADB-9714A8933337}" dt="2021-04-19T06:31:25.724" v="4697" actId="20577"/>
           <ac:graphicFrameMkLst>
             <pc:docMk/>
             <pc:sldMk cId="3299329696" sldId="259"/>
@@ -253,14 +254,14 @@
           </ac:graphicFrameMkLst>
         </pc:graphicFrameChg>
       </pc:sldChg>
-      <pc:sldChg chg="addSp delSp modSp new mod">
-        <pc:chgData name="Luis Torres-Retamal" userId="78590904-305b-421f-9aca-1a2173906a37" providerId="ADAL" clId="{F4696407-824F-44E3-BADB-9714A8933337}" dt="2021-04-15T06:30:41.764" v="1552"/>
+      <pc:sldChg chg="addSp delSp modSp new mod ord">
+        <pc:chgData name="Luis Torres-Retamal" userId="78590904-305b-421f-9aca-1a2173906a37" providerId="ADAL" clId="{F4696407-824F-44E3-BADB-9714A8933337}" dt="2021-04-19T06:28:42.819" v="4675" actId="20577"/>
         <pc:sldMkLst>
           <pc:docMk/>
           <pc:sldMk cId="2764717412" sldId="260"/>
         </pc:sldMkLst>
         <pc:spChg chg="mod">
-          <ac:chgData name="Luis Torres-Retamal" userId="78590904-305b-421f-9aca-1a2173906a37" providerId="ADAL" clId="{F4696407-824F-44E3-BADB-9714A8933337}" dt="2021-04-15T06:30:41.764" v="1552"/>
+          <ac:chgData name="Luis Torres-Retamal" userId="78590904-305b-421f-9aca-1a2173906a37" providerId="ADAL" clId="{F4696407-824F-44E3-BADB-9714A8933337}" dt="2021-04-19T06:28:42.819" v="4675" actId="20577"/>
           <ac:spMkLst>
             <pc:docMk/>
             <pc:sldMk cId="2764717412" sldId="260"/>
@@ -284,8 +285,8 @@
           </ac:graphicFrameMkLst>
         </pc:graphicFrameChg>
       </pc:sldChg>
-      <pc:sldChg chg="addSp delSp modSp new mod chgLayout">
-        <pc:chgData name="Luis Torres-Retamal" userId="78590904-305b-421f-9aca-1a2173906a37" providerId="ADAL" clId="{F4696407-824F-44E3-BADB-9714A8933337}" dt="2021-04-15T06:30:41.764" v="1552"/>
+      <pc:sldChg chg="addSp delSp modSp new mod ord chgLayout">
+        <pc:chgData name="Luis Torres-Retamal" userId="78590904-305b-421f-9aca-1a2173906a37" providerId="ADAL" clId="{F4696407-824F-44E3-BADB-9714A8933337}" dt="2021-04-19T06:33:12.144" v="4802" actId="14100"/>
         <pc:sldMkLst>
           <pc:docMk/>
           <pc:sldMk cId="99010360" sldId="261"/>
@@ -307,7 +308,7 @@
           </ac:spMkLst>
         </pc:spChg>
         <pc:spChg chg="add mod ord">
-          <ac:chgData name="Luis Torres-Retamal" userId="78590904-305b-421f-9aca-1a2173906a37" providerId="ADAL" clId="{F4696407-824F-44E3-BADB-9714A8933337}" dt="2021-04-15T06:30:41.764" v="1552"/>
+          <ac:chgData name="Luis Torres-Retamal" userId="78590904-305b-421f-9aca-1a2173906a37" providerId="ADAL" clId="{F4696407-824F-44E3-BADB-9714A8933337}" dt="2021-04-19T06:28:34.915" v="4662" actId="20577"/>
           <ac:spMkLst>
             <pc:docMk/>
             <pc:sldMk cId="99010360" sldId="261"/>
@@ -315,7 +316,7 @@
           </ac:spMkLst>
         </pc:spChg>
         <pc:spChg chg="add mod ord">
-          <ac:chgData name="Luis Torres-Retamal" userId="78590904-305b-421f-9aca-1a2173906a37" providerId="ADAL" clId="{F4696407-824F-44E3-BADB-9714A8933337}" dt="2021-04-15T06:30:41.764" v="1552"/>
+          <ac:chgData name="Luis Torres-Retamal" userId="78590904-305b-421f-9aca-1a2173906a37" providerId="ADAL" clId="{F4696407-824F-44E3-BADB-9714A8933337}" dt="2021-04-19T06:33:12.144" v="4802" actId="14100"/>
           <ac:spMkLst>
             <pc:docMk/>
             <pc:sldMk cId="99010360" sldId="261"/>
@@ -323,7 +324,7 @@
           </ac:spMkLst>
         </pc:spChg>
         <pc:picChg chg="add mod">
-          <ac:chgData name="Luis Torres-Retamal" userId="78590904-305b-421f-9aca-1a2173906a37" providerId="ADAL" clId="{F4696407-824F-44E3-BADB-9714A8933337}" dt="2021-04-14T13:47:05.603" v="457" actId="1076"/>
+          <ac:chgData name="Luis Torres-Retamal" userId="78590904-305b-421f-9aca-1a2173906a37" providerId="ADAL" clId="{F4696407-824F-44E3-BADB-9714A8933337}" dt="2021-04-19T06:32:54.672" v="4703" actId="1076"/>
           <ac:picMkLst>
             <pc:docMk/>
             <pc:sldMk cId="99010360" sldId="261"/>
@@ -331,7 +332,7 @@
           </ac:picMkLst>
         </pc:picChg>
         <pc:picChg chg="add mod">
-          <ac:chgData name="Luis Torres-Retamal" userId="78590904-305b-421f-9aca-1a2173906a37" providerId="ADAL" clId="{F4696407-824F-44E3-BADB-9714A8933337}" dt="2021-04-14T13:47:07.823" v="458" actId="1076"/>
+          <ac:chgData name="Luis Torres-Retamal" userId="78590904-305b-421f-9aca-1a2173906a37" providerId="ADAL" clId="{F4696407-824F-44E3-BADB-9714A8933337}" dt="2021-04-19T06:32:57.278" v="4704" actId="1076"/>
           <ac:picMkLst>
             <pc:docMk/>
             <pc:sldMk cId="99010360" sldId="261"/>
@@ -604,7 +605,7 @@
         </pc:spChg>
       </pc:sldChg>
       <pc:sldChg chg="addSp delSp modSp new mod modClrScheme chgLayout">
-        <pc:chgData name="Luis Torres-Retamal" userId="78590904-305b-421f-9aca-1a2173906a37" providerId="ADAL" clId="{F4696407-824F-44E3-BADB-9714A8933337}" dt="2021-04-15T09:23:07.675" v="2242" actId="1076"/>
+        <pc:chgData name="Luis Torres-Retamal" userId="78590904-305b-421f-9aca-1a2173906a37" providerId="ADAL" clId="{F4696407-824F-44E3-BADB-9714A8933337}" dt="2021-04-19T07:01:53.176" v="4892" actId="14100"/>
         <pc:sldMkLst>
           <pc:docMk/>
           <pc:sldMk cId="1038994779" sldId="269"/>
@@ -618,7 +619,7 @@
           </ac:spMkLst>
         </pc:spChg>
         <pc:spChg chg="mod ord">
-          <ac:chgData name="Luis Torres-Retamal" userId="78590904-305b-421f-9aca-1a2173906a37" providerId="ADAL" clId="{F4696407-824F-44E3-BADB-9714A8933337}" dt="2021-04-15T09:19:05.006" v="2124" actId="27636"/>
+          <ac:chgData name="Luis Torres-Retamal" userId="78590904-305b-421f-9aca-1a2173906a37" providerId="ADAL" clId="{F4696407-824F-44E3-BADB-9714A8933337}" dt="2021-04-19T07:01:53.176" v="4892" actId="14100"/>
           <ac:spMkLst>
             <pc:docMk/>
             <pc:sldMk cId="1038994779" sldId="269"/>
@@ -634,7 +635,7 @@
           </ac:spMkLst>
         </pc:spChg>
         <pc:spChg chg="add mod ord">
-          <ac:chgData name="Luis Torres-Retamal" userId="78590904-305b-421f-9aca-1a2173906a37" providerId="ADAL" clId="{F4696407-824F-44E3-BADB-9714A8933337}" dt="2021-04-15T09:20:28.391" v="2239" actId="20577"/>
+          <ac:chgData name="Luis Torres-Retamal" userId="78590904-305b-421f-9aca-1a2173906a37" providerId="ADAL" clId="{F4696407-824F-44E3-BADB-9714A8933337}" dt="2021-04-19T06:49:11.889" v="4888" actId="27636"/>
           <ac:spMkLst>
             <pc:docMk/>
             <pc:sldMk cId="1038994779" sldId="269"/>
@@ -941,23 +942,31 @@
           </ac:spMkLst>
         </pc:spChg>
       </pc:sldChg>
-      <pc:sldChg chg="modSp add mod">
-        <pc:chgData name="Luis Torres-Retamal" userId="78590904-305b-421f-9aca-1a2173906a37" providerId="ADAL" clId="{F4696407-824F-44E3-BADB-9714A8933337}" dt="2021-04-18T17:31:12.266" v="4344" actId="20577"/>
+      <pc:sldChg chg="modSp add mod modNotesTx">
+        <pc:chgData name="Luis Torres-Retamal" userId="78590904-305b-421f-9aca-1a2173906a37" providerId="ADAL" clId="{F4696407-824F-44E3-BADB-9714A8933337}" dt="2021-04-19T06:48:34.914" v="4877" actId="13822"/>
         <pc:sldMkLst>
           <pc:docMk/>
           <pc:sldMk cId="347168828" sldId="275"/>
         </pc:sldMkLst>
         <pc:spChg chg="mod">
-          <ac:chgData name="Luis Torres-Retamal" userId="78590904-305b-421f-9aca-1a2173906a37" providerId="ADAL" clId="{F4696407-824F-44E3-BADB-9714A8933337}" dt="2021-04-18T17:31:12.266" v="4344" actId="20577"/>
+          <ac:chgData name="Luis Torres-Retamal" userId="78590904-305b-421f-9aca-1a2173906a37" providerId="ADAL" clId="{F4696407-824F-44E3-BADB-9714A8933337}" dt="2021-04-19T06:35:08.091" v="4876" actId="2710"/>
           <ac:spMkLst>
             <pc:docMk/>
             <pc:sldMk cId="347168828" sldId="275"/>
             <ac:spMk id="3" creationId="{43C80608-418A-410F-BFA3-35F2DCB8E598}"/>
           </ac:spMkLst>
         </pc:spChg>
+        <pc:spChg chg="mod">
+          <ac:chgData name="Luis Torres-Retamal" userId="78590904-305b-421f-9aca-1a2173906a37" providerId="ADAL" clId="{F4696407-824F-44E3-BADB-9714A8933337}" dt="2021-04-19T06:48:34.914" v="4877" actId="13822"/>
+          <ac:spMkLst>
+            <pc:docMk/>
+            <pc:sldMk cId="347168828" sldId="275"/>
+            <ac:spMk id="4" creationId="{E33A44A8-46D7-40A3-8669-D90319C79921}"/>
+          </ac:spMkLst>
+        </pc:spChg>
       </pc:sldChg>
       <pc:sldChg chg="addSp delSp modSp new mod">
-        <pc:chgData name="Luis Torres-Retamal" userId="78590904-305b-421f-9aca-1a2173906a37" providerId="ADAL" clId="{F4696407-824F-44E3-BADB-9714A8933337}" dt="2021-04-17T16:34:51.142" v="4225" actId="404"/>
+        <pc:chgData name="Luis Torres-Retamal" userId="78590904-305b-421f-9aca-1a2173906a37" providerId="ADAL" clId="{F4696407-824F-44E3-BADB-9714A8933337}" dt="2021-04-19T06:25:06.987" v="4549" actId="403"/>
         <pc:sldMkLst>
           <pc:docMk/>
           <pc:sldMk cId="702447354" sldId="276"/>
@@ -1019,7 +1028,7 @@
           </ac:spMkLst>
         </pc:spChg>
         <pc:spChg chg="add mod">
-          <ac:chgData name="Luis Torres-Retamal" userId="78590904-305b-421f-9aca-1a2173906a37" providerId="ADAL" clId="{F4696407-824F-44E3-BADB-9714A8933337}" dt="2021-04-17T16:34:07.649" v="4205" actId="11530"/>
+          <ac:chgData name="Luis Torres-Retamal" userId="78590904-305b-421f-9aca-1a2173906a37" providerId="ADAL" clId="{F4696407-824F-44E3-BADB-9714A8933337}" dt="2021-04-19T06:20:30.872" v="4346" actId="1076"/>
           <ac:spMkLst>
             <pc:docMk/>
             <pc:sldMk cId="702447354" sldId="276"/>
@@ -1027,7 +1036,7 @@
           </ac:spMkLst>
         </pc:spChg>
         <pc:spChg chg="add mod">
-          <ac:chgData name="Luis Torres-Retamal" userId="78590904-305b-421f-9aca-1a2173906a37" providerId="ADAL" clId="{F4696407-824F-44E3-BADB-9714A8933337}" dt="2021-04-17T16:34:51.142" v="4225" actId="404"/>
+          <ac:chgData name="Luis Torres-Retamal" userId="78590904-305b-421f-9aca-1a2173906a37" providerId="ADAL" clId="{F4696407-824F-44E3-BADB-9714A8933337}" dt="2021-04-19T06:20:30.872" v="4346" actId="1076"/>
           <ac:spMkLst>
             <pc:docMk/>
             <pc:sldMk cId="702447354" sldId="276"/>
@@ -1035,7 +1044,7 @@
           </ac:spMkLst>
         </pc:spChg>
         <pc:spChg chg="add mod">
-          <ac:chgData name="Luis Torres-Retamal" userId="78590904-305b-421f-9aca-1a2173906a37" providerId="ADAL" clId="{F4696407-824F-44E3-BADB-9714A8933337}" dt="2021-04-17T16:34:48.518" v="4223" actId="404"/>
+          <ac:chgData name="Luis Torres-Retamal" userId="78590904-305b-421f-9aca-1a2173906a37" providerId="ADAL" clId="{F4696407-824F-44E3-BADB-9714A8933337}" dt="2021-04-19T06:20:30.872" v="4346" actId="1076"/>
           <ac:spMkLst>
             <pc:docMk/>
             <pc:sldMk cId="702447354" sldId="276"/>
@@ -1043,7 +1052,7 @@
           </ac:spMkLst>
         </pc:spChg>
         <pc:spChg chg="add mod">
-          <ac:chgData name="Luis Torres-Retamal" userId="78590904-305b-421f-9aca-1a2173906a37" providerId="ADAL" clId="{F4696407-824F-44E3-BADB-9714A8933337}" dt="2021-04-17T16:34:44.475" v="4220" actId="404"/>
+          <ac:chgData name="Luis Torres-Retamal" userId="78590904-305b-421f-9aca-1a2173906a37" providerId="ADAL" clId="{F4696407-824F-44E3-BADB-9714A8933337}" dt="2021-04-19T06:20:30.872" v="4346" actId="1076"/>
           <ac:spMkLst>
             <pc:docMk/>
             <pc:sldMk cId="702447354" sldId="276"/>
@@ -1051,7 +1060,7 @@
           </ac:spMkLst>
         </pc:spChg>
         <pc:spChg chg="add mod">
-          <ac:chgData name="Luis Torres-Retamal" userId="78590904-305b-421f-9aca-1a2173906a37" providerId="ADAL" clId="{F4696407-824F-44E3-BADB-9714A8933337}" dt="2021-04-17T16:34:39.975" v="4215" actId="404"/>
+          <ac:chgData name="Luis Torres-Retamal" userId="78590904-305b-421f-9aca-1a2173906a37" providerId="ADAL" clId="{F4696407-824F-44E3-BADB-9714A8933337}" dt="2021-04-19T06:20:30.872" v="4346" actId="1076"/>
           <ac:spMkLst>
             <pc:docMk/>
             <pc:sldMk cId="702447354" sldId="276"/>
@@ -1067,7 +1076,7 @@
           </ac:spMkLst>
         </pc:spChg>
         <pc:spChg chg="add mod">
-          <ac:chgData name="Luis Torres-Retamal" userId="78590904-305b-421f-9aca-1a2173906a37" providerId="ADAL" clId="{F4696407-824F-44E3-BADB-9714A8933337}" dt="2021-04-17T16:34:13.365" v="4206" actId="11530"/>
+          <ac:chgData name="Luis Torres-Retamal" userId="78590904-305b-421f-9aca-1a2173906a37" providerId="ADAL" clId="{F4696407-824F-44E3-BADB-9714A8933337}" dt="2021-04-19T06:20:30.872" v="4346" actId="1076"/>
           <ac:spMkLst>
             <pc:docMk/>
             <pc:sldMk cId="702447354" sldId="276"/>
@@ -1194,6 +1203,14 @@
             <ac:grpSpMk id="32" creationId="{9A478C0A-0345-47BA-B4F7-F1A097359FB7}"/>
           </ac:grpSpMkLst>
         </pc:grpChg>
+        <pc:graphicFrameChg chg="add mod modGraphic">
+          <ac:chgData name="Luis Torres-Retamal" userId="78590904-305b-421f-9aca-1a2173906a37" providerId="ADAL" clId="{F4696407-824F-44E3-BADB-9714A8933337}" dt="2021-04-19T06:25:06.987" v="4549" actId="403"/>
+          <ac:graphicFrameMkLst>
+            <pc:docMk/>
+            <pc:sldMk cId="702447354" sldId="276"/>
+            <ac:graphicFrameMk id="3" creationId="{32CA724C-E226-438C-9234-F2E79C59F1F5}"/>
+          </ac:graphicFrameMkLst>
+        </pc:graphicFrameChg>
         <pc:cxnChg chg="add del mod">
           <ac:chgData name="Luis Torres-Retamal" userId="78590904-305b-421f-9aca-1a2173906a37" providerId="ADAL" clId="{F4696407-824F-44E3-BADB-9714A8933337}" dt="2021-04-17T16:28:37.091" v="4078" actId="478"/>
           <ac:cxnSpMkLst>
@@ -1235,7 +1252,7 @@
           </ac:cxnSpMkLst>
         </pc:cxnChg>
         <pc:cxnChg chg="add mod">
-          <ac:chgData name="Luis Torres-Retamal" userId="78590904-305b-421f-9aca-1a2173906a37" providerId="ADAL" clId="{F4696407-824F-44E3-BADB-9714A8933337}" dt="2021-04-17T16:33:55.694" v="4204" actId="1076"/>
+          <ac:chgData name="Luis Torres-Retamal" userId="78590904-305b-421f-9aca-1a2173906a37" providerId="ADAL" clId="{F4696407-824F-44E3-BADB-9714A8933337}" dt="2021-04-19T06:20:30.872" v="4346" actId="1076"/>
           <ac:cxnSpMkLst>
             <pc:docMk/>
             <pc:sldMk cId="702447354" sldId="276"/>
@@ -1243,7 +1260,7 @@
           </ac:cxnSpMkLst>
         </pc:cxnChg>
         <pc:cxnChg chg="add mod">
-          <ac:chgData name="Luis Torres-Retamal" userId="78590904-305b-421f-9aca-1a2173906a37" providerId="ADAL" clId="{F4696407-824F-44E3-BADB-9714A8933337}" dt="2021-04-17T16:33:55.694" v="4204" actId="1076"/>
+          <ac:chgData name="Luis Torres-Retamal" userId="78590904-305b-421f-9aca-1a2173906a37" providerId="ADAL" clId="{F4696407-824F-44E3-BADB-9714A8933337}" dt="2021-04-19T06:20:30.872" v="4346" actId="1076"/>
           <ac:cxnSpMkLst>
             <pc:docMk/>
             <pc:sldMk cId="702447354" sldId="276"/>
@@ -1251,7 +1268,7 @@
           </ac:cxnSpMkLst>
         </pc:cxnChg>
         <pc:cxnChg chg="add mod">
-          <ac:chgData name="Luis Torres-Retamal" userId="78590904-305b-421f-9aca-1a2173906a37" providerId="ADAL" clId="{F4696407-824F-44E3-BADB-9714A8933337}" dt="2021-04-17T16:33:55.694" v="4204" actId="1076"/>
+          <ac:chgData name="Luis Torres-Retamal" userId="78590904-305b-421f-9aca-1a2173906a37" providerId="ADAL" clId="{F4696407-824F-44E3-BADB-9714A8933337}" dt="2021-04-19T06:20:30.872" v="4346" actId="1076"/>
           <ac:cxnSpMkLst>
             <pc:docMk/>
             <pc:sldMk cId="702447354" sldId="276"/>
@@ -1259,7 +1276,7 @@
           </ac:cxnSpMkLst>
         </pc:cxnChg>
         <pc:cxnChg chg="add mod">
-          <ac:chgData name="Luis Torres-Retamal" userId="78590904-305b-421f-9aca-1a2173906a37" providerId="ADAL" clId="{F4696407-824F-44E3-BADB-9714A8933337}" dt="2021-04-17T16:33:55.694" v="4204" actId="1076"/>
+          <ac:chgData name="Luis Torres-Retamal" userId="78590904-305b-421f-9aca-1a2173906a37" providerId="ADAL" clId="{F4696407-824F-44E3-BADB-9714A8933337}" dt="2021-04-19T06:20:30.872" v="4346" actId="1076"/>
           <ac:cxnSpMkLst>
             <pc:docMk/>
             <pc:sldMk cId="702447354" sldId="276"/>
@@ -1267,7 +1284,7 @@
           </ac:cxnSpMkLst>
         </pc:cxnChg>
         <pc:cxnChg chg="add mod">
-          <ac:chgData name="Luis Torres-Retamal" userId="78590904-305b-421f-9aca-1a2173906a37" providerId="ADAL" clId="{F4696407-824F-44E3-BADB-9714A8933337}" dt="2021-04-17T16:33:55.694" v="4204" actId="1076"/>
+          <ac:chgData name="Luis Torres-Retamal" userId="78590904-305b-421f-9aca-1a2173906a37" providerId="ADAL" clId="{F4696407-824F-44E3-BADB-9714A8933337}" dt="2021-04-19T06:20:30.872" v="4346" actId="1076"/>
           <ac:cxnSpMkLst>
             <pc:docMk/>
             <pc:sldMk cId="702447354" sldId="276"/>
@@ -1363,7 +1380,7 @@
           </ac:cxnSpMkLst>
         </pc:cxnChg>
         <pc:cxnChg chg="add mod">
-          <ac:chgData name="Luis Torres-Retamal" userId="78590904-305b-421f-9aca-1a2173906a37" providerId="ADAL" clId="{F4696407-824F-44E3-BADB-9714A8933337}" dt="2021-04-17T16:33:55.694" v="4204" actId="1076"/>
+          <ac:chgData name="Luis Torres-Retamal" userId="78590904-305b-421f-9aca-1a2173906a37" providerId="ADAL" clId="{F4696407-824F-44E3-BADB-9714A8933337}" dt="2021-04-19T06:20:30.872" v="4346" actId="1076"/>
           <ac:cxnSpMkLst>
             <pc:docMk/>
             <pc:sldMk cId="702447354" sldId="276"/>
@@ -1371,7 +1388,7 @@
           </ac:cxnSpMkLst>
         </pc:cxnChg>
         <pc:cxnChg chg="add mod">
-          <ac:chgData name="Luis Torres-Retamal" userId="78590904-305b-421f-9aca-1a2173906a37" providerId="ADAL" clId="{F4696407-824F-44E3-BADB-9714A8933337}" dt="2021-04-17T16:33:55.694" v="4204" actId="1076"/>
+          <ac:chgData name="Luis Torres-Retamal" userId="78590904-305b-421f-9aca-1a2173906a37" providerId="ADAL" clId="{F4696407-824F-44E3-BADB-9714A8933337}" dt="2021-04-19T06:20:30.872" v="4346" actId="1076"/>
           <ac:cxnSpMkLst>
             <pc:docMk/>
             <pc:sldMk cId="702447354" sldId="276"/>
@@ -1379,7 +1396,7 @@
           </ac:cxnSpMkLst>
         </pc:cxnChg>
         <pc:cxnChg chg="add mod">
-          <ac:chgData name="Luis Torres-Retamal" userId="78590904-305b-421f-9aca-1a2173906a37" providerId="ADAL" clId="{F4696407-824F-44E3-BADB-9714A8933337}" dt="2021-04-17T16:33:55.694" v="4204" actId="1076"/>
+          <ac:chgData name="Luis Torres-Retamal" userId="78590904-305b-421f-9aca-1a2173906a37" providerId="ADAL" clId="{F4696407-824F-44E3-BADB-9714A8933337}" dt="2021-04-19T06:20:30.872" v="4346" actId="1076"/>
           <ac:cxnSpMkLst>
             <pc:docMk/>
             <pc:sldMk cId="702447354" sldId="276"/>
@@ -1387,7 +1404,7 @@
           </ac:cxnSpMkLst>
         </pc:cxnChg>
         <pc:cxnChg chg="add mod">
-          <ac:chgData name="Luis Torres-Retamal" userId="78590904-305b-421f-9aca-1a2173906a37" providerId="ADAL" clId="{F4696407-824F-44E3-BADB-9714A8933337}" dt="2021-04-17T16:33:55.694" v="4204" actId="1076"/>
+          <ac:chgData name="Luis Torres-Retamal" userId="78590904-305b-421f-9aca-1a2173906a37" providerId="ADAL" clId="{F4696407-824F-44E3-BADB-9714A8933337}" dt="2021-04-19T06:20:30.872" v="4346" actId="1076"/>
           <ac:cxnSpMkLst>
             <pc:docMk/>
             <pc:sldMk cId="702447354" sldId="276"/>
@@ -1417,6 +1434,20 @@
             <ac:spMk id="3" creationId="{44E93101-65D9-40E0-9C65-FF78A9A4FE94}"/>
           </ac:spMkLst>
         </pc:spChg>
+      </pc:sldChg>
+      <pc:sldChg chg="new del">
+        <pc:chgData name="Luis Torres-Retamal" userId="78590904-305b-421f-9aca-1a2173906a37" providerId="ADAL" clId="{F4696407-824F-44E3-BADB-9714A8933337}" dt="2021-04-19T06:30:41.797" v="4678" actId="47"/>
+        <pc:sldMkLst>
+          <pc:docMk/>
+          <pc:sldMk cId="3119926508" sldId="278"/>
+        </pc:sldMkLst>
+      </pc:sldChg>
+      <pc:sldChg chg="add">
+        <pc:chgData name="Luis Torres-Retamal" userId="78590904-305b-421f-9aca-1a2173906a37" providerId="ADAL" clId="{F4696407-824F-44E3-BADB-9714A8933337}" dt="2021-04-19T06:30:40.394" v="4677"/>
+        <pc:sldMkLst>
+          <pc:docMk/>
+          <pc:sldMk cId="2129920414" sldId="279"/>
+        </pc:sldMkLst>
       </pc:sldChg>
     </pc:docChg>
   </pc:docChgLst>
@@ -1505,7 +1536,7 @@
           <a:p>
             <a:fld id="{7AC84A31-A700-41AA-8B50-8406416768CA}" type="datetimeFigureOut">
               <a:rPr lang="en-GB" smtClean="0"/>
-              <a:t>18/04/2021</a:t>
+              <a:t>19/04/2021</a:t>
             </a:fld>
             <a:endParaRPr lang="en-GB"/>
           </a:p>
@@ -1838,7 +1869,7 @@
           <a:p>
             <a:fld id="{84AA1107-CC3F-49E2-8E7A-87CF6D4BCBFE}" type="slidenum">
               <a:rPr lang="en-GB" smtClean="0"/>
-              <a:t>4</a:t>
+              <a:t>7</a:t>
             </a:fld>
             <a:endParaRPr lang="en-GB"/>
           </a:p>
@@ -1900,137 +1931,6 @@
         <p:txBody>
           <a:bodyPr/>
           <a:lstStyle/>
-          <a:p>
-            <a:pPr marL="228600" indent="-228600">
-              <a:buAutoNum type="arabicParenBoth"/>
-            </a:pPr>
-            <a:r>
-              <a:rPr lang="en-GB" dirty="0"/>
-              <a:t>This assumption is violated in</a:t>
-            </a:r>
-            <a:r>
-              <a:rPr lang="en-GB" baseline="0" dirty="0"/>
-              <a:t> the case of clustered sampling with intra-class correlations ≠ 0. In such situations multi-level extensions of SEM have to be used. Similarly, in the case of longitudinal data this assumption is likely to be violated, and models have to include specifications to account for this. </a:t>
-            </a:r>
-            <a:br>
-              <a:rPr lang="en-GB" baseline="0" dirty="0"/>
-            </a:br>
-            <a:endParaRPr lang="en-GB" baseline="0" dirty="0"/>
-          </a:p>
-          <a:p>
-            <a:pPr marL="228600" indent="-228600">
-              <a:buAutoNum type="arabicParenBoth"/>
-            </a:pPr>
-            <a:r>
-              <a:rPr lang="en-GB" dirty="0"/>
-              <a:t>This is violated in</a:t>
-            </a:r>
-            <a:r>
-              <a:rPr lang="en-GB" baseline="0" dirty="0"/>
-              <a:t> the case where different groups of individual-level cases follow different multivariate distributions, and in the case of (individual-level) outliers.</a:t>
-            </a:r>
-            <a:br>
-              <a:rPr lang="en-GB" baseline="0" dirty="0"/>
-            </a:br>
-            <a:endParaRPr lang="en-GB" baseline="0" dirty="0"/>
-          </a:p>
-          <a:p>
-            <a:pPr marL="228600" indent="-228600">
-              <a:buAutoNum type="arabicParenBoth"/>
-            </a:pPr>
-            <a:r>
-              <a:rPr lang="en-GB" dirty="0"/>
-              <a:t>Relatively little is known about the robustness of outcomes for violations of some of these assumptions</a:t>
-            </a:r>
-            <a:br>
-              <a:rPr lang="en-GB" dirty="0"/>
-            </a:br>
-            <a:endParaRPr lang="en-GB" dirty="0"/>
-          </a:p>
-          <a:p>
-            <a:pPr marL="228600" indent="-228600">
-              <a:buAutoNum type="arabicParenBoth"/>
-            </a:pPr>
-            <a:r>
-              <a:rPr lang="en-GB" dirty="0"/>
-              <a:t>This assumption is also</a:t>
-            </a:r>
-            <a:r>
-              <a:rPr lang="en-GB" baseline="0" dirty="0"/>
-              <a:t> made in standard regression analysis. It is an utterly unrealistic assumption. One of advantage of SEM over regression is that when some of the independent variables in regression become endogenous variables in SEM, the number of variables for which this assumption is made is reduced. </a:t>
-            </a:r>
-          </a:p>
-          <a:p>
-            <a:pPr marL="228600" marR="0" indent="-228600" algn="l" defTabSz="914400" rtl="0" eaLnBrk="1" fontAlgn="auto" latinLnBrk="0" hangingPunct="1">
-              <a:lnSpc>
-                <a:spcPct val="100000"/>
-              </a:lnSpc>
-              <a:spcBef>
-                <a:spcPts val="0"/>
-              </a:spcBef>
-              <a:spcAft>
-                <a:spcPts val="0"/>
-              </a:spcAft>
-              <a:buClrTx/>
-              <a:buSzTx/>
-              <a:buFont typeface="+mj-lt"/>
-              <a:buAutoNum type="arabicParenR" startAt="5"/>
-              <a:tabLst/>
-              <a:defRPr/>
-            </a:pPr>
-            <a:r>
-              <a:rPr lang="en-GB" dirty="0"/>
-              <a:t>Relatively little is known about the robustness of outcomes for violations of some of these assumptions</a:t>
-            </a:r>
-            <a:br>
-              <a:rPr lang="en-GB" dirty="0"/>
-            </a:br>
-            <a:endParaRPr lang="en-GB" dirty="0"/>
-          </a:p>
-          <a:p>
-            <a:pPr marL="228600" marR="0" indent="-228600" algn="l" defTabSz="914400" rtl="0" eaLnBrk="1" fontAlgn="auto" latinLnBrk="0" hangingPunct="1">
-              <a:lnSpc>
-                <a:spcPct val="100000"/>
-              </a:lnSpc>
-              <a:spcBef>
-                <a:spcPts val="0"/>
-              </a:spcBef>
-              <a:spcAft>
-                <a:spcPts val="0"/>
-              </a:spcAft>
-              <a:buClrTx/>
-              <a:buSzTx/>
-              <a:buFont typeface="+mj-lt"/>
-              <a:buAutoNum type="arabicParenR" startAt="5"/>
-              <a:tabLst/>
-              <a:defRPr/>
-            </a:pPr>
-            <a:r>
-              <a:rPr lang="en-GB" dirty="0"/>
-              <a:t>This is easily violated when</a:t>
-            </a:r>
-            <a:r>
-              <a:rPr lang="en-GB" baseline="0" dirty="0"/>
-              <a:t> observed variables are ordered-categorical (e.g., in the case of much survey-based data). The consequences of such violations for the (CFA) measurement part are known and consist in severe risks of </a:t>
-            </a:r>
-            <a:r>
-              <a:rPr lang="en-GB" baseline="0" dirty="0" err="1"/>
-              <a:t>overdimensionalisation</a:t>
-            </a:r>
-            <a:r>
-              <a:rPr lang="en-GB" baseline="0" dirty="0"/>
-              <a:t> (or unacceptably poor fit of the measurement parts of the model; see van der </a:t>
-            </a:r>
-            <a:r>
-              <a:rPr lang="en-GB" baseline="0" dirty="0" err="1"/>
-              <a:t>Eijk</a:t>
-            </a:r>
-            <a:r>
-              <a:rPr lang="en-GB" baseline="0" dirty="0"/>
-              <a:t> and Rose 2015). Less is known about the consequences of such violations for the structural part of a model. </a:t>
-            </a:r>
-            <a:endParaRPr lang="en-GB" dirty="0"/>
-          </a:p>
           <a:p>
             <a:endParaRPr lang="en-GB" dirty="0"/>
           </a:p>
@@ -2475,7 +2375,7 @@
           <a:p>
             <a:fld id="{6109EDE2-A543-495A-AB9B-BB2A45FC9F00}" type="datetimeFigureOut">
               <a:rPr lang="en-GB" smtClean="0"/>
-              <a:t>18/04/2021</a:t>
+              <a:t>19/04/2021</a:t>
             </a:fld>
             <a:endParaRPr lang="en-GB"/>
           </a:p>
@@ -2654,7 +2554,7 @@
           <a:p>
             <a:fld id="{6109EDE2-A543-495A-AB9B-BB2A45FC9F00}" type="datetimeFigureOut">
               <a:rPr lang="en-GB" smtClean="0"/>
-              <a:t>18/04/2021</a:t>
+              <a:t>19/04/2021</a:t>
             </a:fld>
             <a:endParaRPr lang="en-GB"/>
           </a:p>
@@ -2834,7 +2734,7 @@
           <a:p>
             <a:fld id="{6109EDE2-A543-495A-AB9B-BB2A45FC9F00}" type="datetimeFigureOut">
               <a:rPr lang="en-GB" smtClean="0"/>
-              <a:t>18/04/2021</a:t>
+              <a:t>19/04/2021</a:t>
             </a:fld>
             <a:endParaRPr lang="en-GB"/>
           </a:p>
@@ -3004,7 +2904,7 @@
           <a:p>
             <a:fld id="{6109EDE2-A543-495A-AB9B-BB2A45FC9F00}" type="datetimeFigureOut">
               <a:rPr lang="en-GB" smtClean="0"/>
-              <a:t>18/04/2021</a:t>
+              <a:t>19/04/2021</a:t>
             </a:fld>
             <a:endParaRPr lang="en-GB"/>
           </a:p>
@@ -3317,7 +3217,7 @@
           <a:p>
             <a:fld id="{6109EDE2-A543-495A-AB9B-BB2A45FC9F00}" type="datetimeFigureOut">
               <a:rPr lang="en-GB" smtClean="0"/>
-              <a:t>18/04/2021</a:t>
+              <a:t>19/04/2021</a:t>
             </a:fld>
             <a:endParaRPr lang="en-GB"/>
           </a:p>
@@ -3703,7 +3603,7 @@
           <a:p>
             <a:fld id="{6109EDE2-A543-495A-AB9B-BB2A45FC9F00}" type="datetimeFigureOut">
               <a:rPr lang="en-GB" smtClean="0"/>
-              <a:t>18/04/2021</a:t>
+              <a:t>19/04/2021</a:t>
             </a:fld>
             <a:endParaRPr lang="en-GB"/>
           </a:p>
@@ -4137,7 +4037,7 @@
           <a:p>
             <a:fld id="{6109EDE2-A543-495A-AB9B-BB2A45FC9F00}" type="datetimeFigureOut">
               <a:rPr lang="en-GB" smtClean="0"/>
-              <a:t>18/04/2021</a:t>
+              <a:t>19/04/2021</a:t>
             </a:fld>
             <a:endParaRPr lang="en-GB"/>
           </a:p>
@@ -4255,7 +4155,7 @@
           <a:p>
             <a:fld id="{6109EDE2-A543-495A-AB9B-BB2A45FC9F00}" type="datetimeFigureOut">
               <a:rPr lang="en-GB" smtClean="0"/>
-              <a:t>18/04/2021</a:t>
+              <a:t>19/04/2021</a:t>
             </a:fld>
             <a:endParaRPr lang="en-GB"/>
           </a:p>
@@ -4350,7 +4250,7 @@
           <a:p>
             <a:fld id="{6109EDE2-A543-495A-AB9B-BB2A45FC9F00}" type="datetimeFigureOut">
               <a:rPr lang="en-GB" smtClean="0"/>
-              <a:t>18/04/2021</a:t>
+              <a:t>19/04/2021</a:t>
             </a:fld>
             <a:endParaRPr lang="en-GB"/>
           </a:p>
@@ -4700,7 +4600,7 @@
           <a:p>
             <a:fld id="{6109EDE2-A543-495A-AB9B-BB2A45FC9F00}" type="datetimeFigureOut">
               <a:rPr lang="en-GB" smtClean="0"/>
-              <a:t>18/04/2021</a:t>
+              <a:t>19/04/2021</a:t>
             </a:fld>
             <a:endParaRPr lang="en-GB"/>
           </a:p>
@@ -5125,7 +5025,7 @@
           <a:p>
             <a:fld id="{6109EDE2-A543-495A-AB9B-BB2A45FC9F00}" type="datetimeFigureOut">
               <a:rPr lang="en-GB" smtClean="0"/>
-              <a:t>18/04/2021</a:t>
+              <a:t>19/04/2021</a:t>
             </a:fld>
             <a:endParaRPr lang="en-GB"/>
           </a:p>
@@ -5406,7 +5306,7 @@
           <a:p>
             <a:fld id="{6109EDE2-A543-495A-AB9B-BB2A45FC9F00}" type="datetimeFigureOut">
               <a:rPr lang="en-GB" smtClean="0"/>
-              <a:t>18/04/2021</a:t>
+              <a:t>19/04/2021</a:t>
             </a:fld>
             <a:endParaRPr lang="en-GB"/>
           </a:p>
@@ -6140,22 +6040,42 @@
             <p:ph sz="half" idx="1"/>
           </p:nvPr>
         </p:nvSpPr>
-        <p:spPr/>
+        <p:spPr>
+          <a:xfrm>
+            <a:off x="1069848" y="2093977"/>
+            <a:ext cx="4754880" cy="3801214"/>
+          </a:xfrm>
+        </p:spPr>
         <p:txBody>
           <a:bodyPr>
-            <a:normAutofit fontScale="92500" lnSpcReduction="20000"/>
+            <a:normAutofit fontScale="70000" lnSpcReduction="20000"/>
           </a:bodyPr>
           <a:lstStyle/>
           <a:p>
+            <a:pPr>
+              <a:lnSpc>
+                <a:spcPct val="120000"/>
+              </a:lnSpc>
+            </a:pPr>
             <a:r>
               <a:rPr lang="en-GB" dirty="0"/>
               <a:t>Fit involves the degree of correspondence between the observed correlations (or co-variances), and the correlations (or co-variances) that can be calculated (reconstructed) under the assumption that the estimated parameters are correct.</a:t>
             </a:r>
           </a:p>
           <a:p>
+            <a:pPr>
+              <a:lnSpc>
+                <a:spcPct val="120000"/>
+              </a:lnSpc>
+            </a:pPr>
             <a:endParaRPr lang="en-GB" dirty="0"/>
           </a:p>
           <a:p>
+            <a:pPr>
+              <a:lnSpc>
+                <a:spcPct val="120000"/>
+              </a:lnSpc>
+            </a:pPr>
             <a:r>
               <a:rPr lang="en-GB" altLang="en-US" dirty="0">
                 <a:solidFill>
@@ -6166,18 +6086,27 @@
             </a:r>
           </a:p>
           <a:p>
+            <a:pPr>
+              <a:lnSpc>
+                <a:spcPct val="120000"/>
+              </a:lnSpc>
+            </a:pPr>
             <a:endParaRPr lang="en-GB" dirty="0"/>
           </a:p>
           <a:p>
+            <a:pPr>
+              <a:lnSpc>
+                <a:spcPct val="120000"/>
+              </a:lnSpc>
+            </a:pPr>
             <a:r>
               <a:rPr lang="en-GB" b="0" i="0" dirty="0">
                 <a:solidFill>
                   <a:srgbClr val="333333"/>
                 </a:solidFill>
                 <a:effectLst/>
-                <a:latin typeface="ProximaNova"/>
               </a:rPr>
-              <a:t>Typically, rejecting the null hypothesis is a good thing, but if we reject the SEM null hypothesis then we would reject our model. </a:t>
+              <a:t>Typically, rejecting the null hypothesis is a good thing, but if we reject the SEM null hypothesis then we would reject our model.</a:t>
             </a:r>
             <a:endParaRPr lang="en-GB" dirty="0"/>
           </a:p>
@@ -6202,64 +6131,92 @@
         <p:spPr/>
         <p:txBody>
           <a:bodyPr>
-            <a:normAutofit fontScale="92500" lnSpcReduction="20000"/>
+            <a:normAutofit fontScale="70000" lnSpcReduction="20000"/>
           </a:bodyPr>
           <a:lstStyle/>
           <a:p>
+            <a:pPr>
+              <a:lnSpc>
+                <a:spcPct val="120000"/>
+              </a:lnSpc>
+            </a:pPr>
             <a:endParaRPr lang="en-GB" b="1" dirty="0">
               <a:solidFill>
                 <a:srgbClr val="FF0000"/>
               </a:solidFill>
-              <a:latin typeface="ProximaNova"/>
             </a:endParaRPr>
           </a:p>
           <a:p>
+            <a:pPr>
+              <a:lnSpc>
+                <a:spcPct val="120000"/>
+              </a:lnSpc>
+            </a:pPr>
             <a:endParaRPr lang="en-GB" b="1" dirty="0">
               <a:solidFill>
                 <a:srgbClr val="FF0000"/>
               </a:solidFill>
-              <a:latin typeface="ProximaNova"/>
             </a:endParaRPr>
           </a:p>
           <a:p>
+            <a:pPr>
+              <a:lnSpc>
+                <a:spcPct val="120000"/>
+              </a:lnSpc>
+            </a:pPr>
             <a:endParaRPr lang="en-GB" b="1" dirty="0">
               <a:solidFill>
                 <a:srgbClr val="FF0000"/>
               </a:solidFill>
-              <a:latin typeface="ProximaNova"/>
             </a:endParaRPr>
           </a:p>
           <a:p>
+            <a:pPr>
+              <a:lnSpc>
+                <a:spcPct val="120000"/>
+              </a:lnSpc>
+            </a:pPr>
             <a:endParaRPr lang="en-GB" b="1" dirty="0">
               <a:solidFill>
                 <a:srgbClr val="FF0000"/>
               </a:solidFill>
-              <a:latin typeface="ProximaNova"/>
             </a:endParaRPr>
           </a:p>
           <a:p>
+            <a:pPr>
+              <a:lnSpc>
+                <a:spcPct val="120000"/>
+              </a:lnSpc>
+            </a:pPr>
             <a:endParaRPr lang="en-GB" b="1" dirty="0">
               <a:solidFill>
                 <a:srgbClr val="FF0000"/>
               </a:solidFill>
-              <a:latin typeface="ProximaNova"/>
             </a:endParaRPr>
           </a:p>
           <a:p>
+            <a:pPr>
+              <a:lnSpc>
+                <a:spcPct val="120000"/>
+              </a:lnSpc>
+            </a:pPr>
             <a:endParaRPr lang="en-GB" b="1" dirty="0">
               <a:solidFill>
                 <a:srgbClr val="FF0000"/>
               </a:solidFill>
-              <a:latin typeface="ProximaNova"/>
             </a:endParaRPr>
           </a:p>
           <a:p>
+            <a:pPr>
+              <a:lnSpc>
+                <a:spcPct val="120000"/>
+              </a:lnSpc>
+            </a:pPr>
             <a:r>
               <a:rPr lang="en-GB" b="1" dirty="0">
                 <a:solidFill>
                   <a:srgbClr val="FF0000"/>
                 </a:solidFill>
-                <a:latin typeface="ProximaNova"/>
               </a:rPr>
               <a:t>BUT</a:t>
             </a:r>
@@ -6268,18 +6225,21 @@
                 <a:solidFill>
                   <a:srgbClr val="333333"/>
                 </a:solidFill>
-                <a:latin typeface="ProximaNova"/>
               </a:rPr>
               <a:t>, failing to reject the null hypothesis does not prove that our model is the true model, nor can we say it is the best model, as there may be many other competing models that can also fail to reject the null hypothesis.</a:t>
             </a:r>
           </a:p>
           <a:p>
+            <a:pPr>
+              <a:lnSpc>
+                <a:spcPct val="120000"/>
+              </a:lnSpc>
+            </a:pPr>
             <a:r>
               <a:rPr lang="en-GB" dirty="0">
                 <a:solidFill>
                   <a:srgbClr val="333333"/>
                 </a:solidFill>
-                <a:latin typeface="ProximaNova"/>
               </a:rPr>
               <a:t>This is why we report more than one fit index, including global and local fit indexes. </a:t>
             </a:r>
@@ -7269,6 +7229,120 @@
 </p:sld>
 </file>
 
+<file path=ppt/slides/slide15.xml><?xml version="1.0" encoding="utf-8"?>
+<p:sld xmlns:a="http://schemas.openxmlformats.org/drawingml/2006/main" xmlns:r="http://schemas.openxmlformats.org/officeDocument/2006/relationships" xmlns:p="http://schemas.openxmlformats.org/presentationml/2006/main">
+  <p:cSld>
+    <p:spTree>
+      <p:nvGrpSpPr>
+        <p:cNvPr id="1" name=""/>
+        <p:cNvGrpSpPr/>
+        <p:nvPr/>
+      </p:nvGrpSpPr>
+      <p:grpSpPr>
+        <a:xfrm>
+          <a:off x="0" y="0"/>
+          <a:ext cx="0" cy="0"/>
+          <a:chOff x="0" y="0"/>
+          <a:chExt cx="0" cy="0"/>
+        </a:xfrm>
+      </p:grpSpPr>
+      <p:sp>
+        <p:nvSpPr>
+          <p:cNvPr id="2" name="Title 1">
+            <a:extLst>
+              <a:ext uri="{FF2B5EF4-FFF2-40B4-BE49-F238E27FC236}">
+                <a16:creationId xmlns:a16="http://schemas.microsoft.com/office/drawing/2014/main" id="{9CE814DB-88AB-4FBC-900B-843D9AFE9371}"/>
+              </a:ext>
+            </a:extLst>
+          </p:cNvPr>
+          <p:cNvSpPr>
+            <a:spLocks noGrp="1"/>
+          </p:cNvSpPr>
+          <p:nvPr>
+            <p:ph type="ctrTitle"/>
+          </p:nvPr>
+        </p:nvSpPr>
+        <p:spPr/>
+        <p:txBody>
+          <a:bodyPr/>
+          <a:lstStyle/>
+          <a:p>
+            <a:r>
+              <a:rPr lang="en-GB" sz="5400" dirty="0"/>
+              <a:t>Structural Equation Modelling (SEM) using R</a:t>
+            </a:r>
+          </a:p>
+        </p:txBody>
+      </p:sp>
+      <p:sp>
+        <p:nvSpPr>
+          <p:cNvPr id="3" name="Subtitle 2">
+            <a:extLst>
+              <a:ext uri="{FF2B5EF4-FFF2-40B4-BE49-F238E27FC236}">
+                <a16:creationId xmlns:a16="http://schemas.microsoft.com/office/drawing/2014/main" id="{B954435B-511D-4E9F-AAE0-BF74098A5752}"/>
+              </a:ext>
+            </a:extLst>
+          </p:cNvPr>
+          <p:cNvSpPr>
+            <a:spLocks noGrp="1"/>
+          </p:cNvSpPr>
+          <p:nvPr>
+            <p:ph type="subTitle" idx="1"/>
+          </p:nvPr>
+        </p:nvSpPr>
+        <p:spPr>
+          <a:xfrm>
+            <a:off x="1069848" y="4389119"/>
+            <a:ext cx="7891272" cy="1487805"/>
+          </a:xfrm>
+        </p:spPr>
+        <p:txBody>
+          <a:bodyPr>
+            <a:normAutofit fontScale="62500" lnSpcReduction="20000"/>
+          </a:bodyPr>
+          <a:lstStyle/>
+          <a:p>
+            <a:endParaRPr lang="en-GB" dirty="0"/>
+          </a:p>
+          <a:p>
+            <a:r>
+              <a:rPr lang="en-GB" dirty="0"/>
+              <a:t>Luis D. Torres, PhD</a:t>
+            </a:r>
+          </a:p>
+          <a:p>
+            <a:r>
+              <a:rPr lang="en-GB" dirty="0"/>
+              <a:t>Assistant Professor in OB, Business &amp; Society</a:t>
+            </a:r>
+          </a:p>
+          <a:p>
+            <a:r>
+              <a:rPr lang="en-GB" dirty="0"/>
+              <a:t>Nottingham University Business School</a:t>
+            </a:r>
+          </a:p>
+          <a:p>
+            <a:r>
+              <a:rPr lang="en-GB" dirty="0"/>
+              <a:t>luis.torres@nottingham.ac.uk</a:t>
+            </a:r>
+          </a:p>
+        </p:txBody>
+      </p:sp>
+    </p:spTree>
+    <p:extLst>
+      <p:ext uri="{BB962C8B-B14F-4D97-AF65-F5344CB8AC3E}">
+        <p14:creationId xmlns:p14="http://schemas.microsoft.com/office/powerpoint/2010/main" val="2129920414"/>
+      </p:ext>
+    </p:extLst>
+  </p:cSld>
+  <p:clrMapOvr>
+    <a:masterClrMapping/>
+  </p:clrMapOvr>
+</p:sld>
+</file>
+
 <file path=ppt/slides/slide2.xml><?xml version="1.0" encoding="utf-8"?>
 <p:sld xmlns:a="http://schemas.openxmlformats.org/drawingml/2006/main" xmlns:r="http://schemas.openxmlformats.org/officeDocument/2006/relationships" xmlns:p="http://schemas.openxmlformats.org/presentationml/2006/main">
   <p:cSld>
@@ -7441,7 +7515,7 @@
         </p:nvSpPr>
         <p:spPr>
           <a:xfrm>
-            <a:off x="1499281" y="3816749"/>
+            <a:off x="1499281" y="3416699"/>
             <a:ext cx="1177774" cy="639192"/>
           </a:xfrm>
           <a:prstGeom prst="ellipse">
@@ -7491,7 +7565,7 @@
         </p:nvSpPr>
         <p:spPr>
           <a:xfrm>
-            <a:off x="5006831" y="3825627"/>
+            <a:off x="5006831" y="3425577"/>
             <a:ext cx="1184420" cy="639192"/>
           </a:xfrm>
           <a:prstGeom prst="ellipse">
@@ -7541,7 +7615,7 @@
         </p:nvSpPr>
         <p:spPr>
           <a:xfrm>
-            <a:off x="6525270" y="3816749"/>
+            <a:off x="6525270" y="3416699"/>
             <a:ext cx="1177768" cy="639192"/>
           </a:xfrm>
           <a:prstGeom prst="ellipse">
@@ -7591,7 +7665,7 @@
         </p:nvSpPr>
         <p:spPr>
           <a:xfrm>
-            <a:off x="7998595" y="3816749"/>
+            <a:off x="7998595" y="3416699"/>
             <a:ext cx="1177768" cy="639192"/>
           </a:xfrm>
           <a:prstGeom prst="ellipse">
@@ -7641,7 +7715,7 @@
         </p:nvSpPr>
         <p:spPr>
           <a:xfrm>
-            <a:off x="9523333" y="3816749"/>
+            <a:off x="9523333" y="3416699"/>
             <a:ext cx="1135598" cy="639192"/>
           </a:xfrm>
           <a:prstGeom prst="ellipse">
@@ -7691,7 +7765,7 @@
         </p:nvSpPr>
         <p:spPr>
           <a:xfrm>
-            <a:off x="3292195" y="2697958"/>
+            <a:off x="3292195" y="2297908"/>
             <a:ext cx="1279867" cy="639192"/>
           </a:xfrm>
           <a:prstGeom prst="ellipse">
@@ -7743,7 +7817,7 @@
         </p:nvCxnSpPr>
         <p:spPr>
           <a:xfrm rot="16200000" flipH="1">
-            <a:off x="6089650" y="454459"/>
+            <a:off x="6089650" y="54409"/>
             <a:ext cx="12700" cy="8002964"/>
           </a:xfrm>
           <a:prstGeom prst="bentConnector3">
@@ -7784,7 +7858,7 @@
         </p:nvCxnSpPr>
         <p:spPr>
           <a:xfrm>
-            <a:off x="4572062" y="3017554"/>
+            <a:off x="4572062" y="2617504"/>
             <a:ext cx="1026979" cy="808073"/>
           </a:xfrm>
           <a:prstGeom prst="bentConnector2">
@@ -7823,7 +7897,7 @@
         </p:nvCxnSpPr>
         <p:spPr>
           <a:xfrm>
-            <a:off x="4572062" y="3017554"/>
+            <a:off x="4572062" y="2617504"/>
             <a:ext cx="2542092" cy="799195"/>
           </a:xfrm>
           <a:prstGeom prst="bentConnector2">
@@ -7862,7 +7936,7 @@
         </p:nvCxnSpPr>
         <p:spPr>
           <a:xfrm>
-            <a:off x="4572062" y="3017554"/>
+            <a:off x="4572062" y="2617504"/>
             <a:ext cx="4015417" cy="799195"/>
           </a:xfrm>
           <a:prstGeom prst="bentConnector2">
@@ -7901,7 +7975,7 @@
         </p:nvCxnSpPr>
         <p:spPr>
           <a:xfrm>
-            <a:off x="4572062" y="3017554"/>
+            <a:off x="4572062" y="2617504"/>
             <a:ext cx="5519070" cy="799195"/>
           </a:xfrm>
           <a:prstGeom prst="bentConnector2">
@@ -7940,7 +8014,7 @@
         </p:nvCxnSpPr>
         <p:spPr>
           <a:xfrm rot="16200000" flipH="1">
-            <a:off x="5337823" y="1206285"/>
+            <a:off x="5337823" y="806235"/>
             <a:ext cx="12700" cy="6499311"/>
           </a:xfrm>
           <a:prstGeom prst="bentConnector3">
@@ -7981,7 +8055,7 @@
         </p:nvCxnSpPr>
         <p:spPr>
           <a:xfrm rot="16200000" flipH="1">
-            <a:off x="4601161" y="1942948"/>
+            <a:off x="4601161" y="1542898"/>
             <a:ext cx="12700" cy="5025986"/>
           </a:xfrm>
           <a:prstGeom prst="bentConnector3">
@@ -8022,7 +8096,7 @@
         </p:nvCxnSpPr>
         <p:spPr>
           <a:xfrm rot="16200000" flipH="1">
-            <a:off x="3839165" y="2704943"/>
+            <a:off x="3839165" y="2304893"/>
             <a:ext cx="8878" cy="3510873"/>
           </a:xfrm>
           <a:prstGeom prst="bentConnector3">
@@ -8065,7 +8139,7 @@
         </p:nvCxnSpPr>
         <p:spPr>
           <a:xfrm rot="5400000" flipH="1" flipV="1">
-            <a:off x="2290584" y="2815139"/>
+            <a:off x="2290584" y="2415089"/>
             <a:ext cx="799195" cy="1204027"/>
           </a:xfrm>
           <a:prstGeom prst="bentConnector2">
@@ -8090,6 +8164,275 @@
           </a:fontRef>
         </p:style>
       </p:cxnSp>
+      <p:graphicFrame>
+        <p:nvGraphicFramePr>
+          <p:cNvPr id="3" name="Table 3">
+            <a:extLst>
+              <a:ext uri="{FF2B5EF4-FFF2-40B4-BE49-F238E27FC236}">
+                <a16:creationId xmlns:a16="http://schemas.microsoft.com/office/drawing/2014/main" id="{32CA724C-E226-438C-9234-F2E79C59F1F5}"/>
+              </a:ext>
+            </a:extLst>
+          </p:cNvPr>
+          <p:cNvGraphicFramePr>
+            <a:graphicFrameLocks noGrp="1"/>
+          </p:cNvGraphicFramePr>
+          <p:nvPr>
+            <p:extLst>
+              <p:ext uri="{D42A27DB-BD31-4B8C-83A1-F6EECF244321}">
+                <p14:modId xmlns:p14="http://schemas.microsoft.com/office/powerpoint/2010/main" val="1580994933"/>
+              </p:ext>
+            </p:extLst>
+          </p:nvPr>
+        </p:nvGraphicFramePr>
+        <p:xfrm>
+          <a:off x="1276350" y="5378614"/>
+          <a:ext cx="9458328" cy="889000"/>
+        </p:xfrm>
+        <a:graphic>
+          <a:graphicData uri="http://schemas.openxmlformats.org/drawingml/2006/table">
+            <a:tbl>
+              <a:tblPr firstRow="1" bandRow="1">
+                <a:tableStyleId>{073A0DAA-6AF3-43AB-8588-CEC1D06C72B9}</a:tableStyleId>
+              </a:tblPr>
+              <a:tblGrid>
+                <a:gridCol w="1576388">
+                  <a:extLst>
+                    <a:ext uri="{9D8B030D-6E8A-4147-A177-3AD203B41FA5}">
+                      <a16:colId xmlns:a16="http://schemas.microsoft.com/office/drawing/2014/main" val="3940043613"/>
+                    </a:ext>
+                  </a:extLst>
+                </a:gridCol>
+                <a:gridCol w="1576388">
+                  <a:extLst>
+                    <a:ext uri="{9D8B030D-6E8A-4147-A177-3AD203B41FA5}">
+                      <a16:colId xmlns:a16="http://schemas.microsoft.com/office/drawing/2014/main" val="2559899416"/>
+                    </a:ext>
+                  </a:extLst>
+                </a:gridCol>
+                <a:gridCol w="1576388">
+                  <a:extLst>
+                    <a:ext uri="{9D8B030D-6E8A-4147-A177-3AD203B41FA5}">
+                      <a16:colId xmlns:a16="http://schemas.microsoft.com/office/drawing/2014/main" val="708243190"/>
+                    </a:ext>
+                  </a:extLst>
+                </a:gridCol>
+                <a:gridCol w="1576388">
+                  <a:extLst>
+                    <a:ext uri="{9D8B030D-6E8A-4147-A177-3AD203B41FA5}">
+                      <a16:colId xmlns:a16="http://schemas.microsoft.com/office/drawing/2014/main" val="909625327"/>
+                    </a:ext>
+                  </a:extLst>
+                </a:gridCol>
+                <a:gridCol w="1576388">
+                  <a:extLst>
+                    <a:ext uri="{9D8B030D-6E8A-4147-A177-3AD203B41FA5}">
+                      <a16:colId xmlns:a16="http://schemas.microsoft.com/office/drawing/2014/main" val="3975632726"/>
+                    </a:ext>
+                  </a:extLst>
+                </a:gridCol>
+                <a:gridCol w="1576388">
+                  <a:extLst>
+                    <a:ext uri="{9D8B030D-6E8A-4147-A177-3AD203B41FA5}">
+                      <a16:colId xmlns:a16="http://schemas.microsoft.com/office/drawing/2014/main" val="1417940384"/>
+                    </a:ext>
+                  </a:extLst>
+                </a:gridCol>
+              </a:tblGrid>
+              <a:tr h="370840">
+                <a:tc>
+                  <a:txBody>
+                    <a:bodyPr/>
+                    <a:lstStyle/>
+                    <a:p>
+                      <a:r>
+                        <a:rPr lang="en-GB" sz="1400" dirty="0"/>
+                        <a:t>CSR</a:t>
+                      </a:r>
+                    </a:p>
+                  </a:txBody>
+                  <a:tcPr/>
+                </a:tc>
+                <a:tc>
+                  <a:txBody>
+                    <a:bodyPr/>
+                    <a:lstStyle/>
+                    <a:p>
+                      <a:r>
+                        <a:rPr lang="en-GB" sz="1400" dirty="0"/>
+                        <a:t>Justice</a:t>
+                      </a:r>
+                    </a:p>
+                  </a:txBody>
+                  <a:tcPr/>
+                </a:tc>
+                <a:tc>
+                  <a:txBody>
+                    <a:bodyPr/>
+                    <a:lstStyle/>
+                    <a:p>
+                      <a:r>
+                        <a:rPr lang="en-GB" sz="1400" dirty="0"/>
+                        <a:t>Training</a:t>
+                      </a:r>
+                    </a:p>
+                  </a:txBody>
+                  <a:tcPr/>
+                </a:tc>
+                <a:tc>
+                  <a:txBody>
+                    <a:bodyPr/>
+                    <a:lstStyle/>
+                    <a:p>
+                      <a:r>
+                        <a:rPr lang="en-GB" sz="1400" dirty="0"/>
+                        <a:t>Diversity</a:t>
+                      </a:r>
+                    </a:p>
+                  </a:txBody>
+                  <a:tcPr/>
+                </a:tc>
+                <a:tc>
+                  <a:txBody>
+                    <a:bodyPr/>
+                    <a:lstStyle/>
+                    <a:p>
+                      <a:r>
+                        <a:rPr lang="en-GB" sz="1400" dirty="0"/>
+                        <a:t>Opportunities</a:t>
+                      </a:r>
+                    </a:p>
+                  </a:txBody>
+                  <a:tcPr/>
+                </a:tc>
+                <a:tc>
+                  <a:txBody>
+                    <a:bodyPr/>
+                    <a:lstStyle/>
+                    <a:p>
+                      <a:r>
+                        <a:rPr lang="en-GB" sz="1400" dirty="0"/>
+                        <a:t>Infrastructure</a:t>
+                      </a:r>
+                    </a:p>
+                  </a:txBody>
+                  <a:tcPr/>
+                </a:tc>
+                <a:extLst>
+                  <a:ext uri="{0D108BD9-81ED-4DB2-BD59-A6C34878D82A}">
+                    <a16:rowId xmlns:a16="http://schemas.microsoft.com/office/drawing/2014/main" val="3752260165"/>
+                  </a:ext>
+                </a:extLst>
+              </a:tr>
+              <a:tr h="370840">
+                <a:tc>
+                  <a:txBody>
+                    <a:bodyPr/>
+                    <a:lstStyle/>
+                    <a:p>
+                      <a:r>
+                        <a:rPr lang="en-GB" sz="1400" dirty="0"/>
+                        <a:t>6 factors </a:t>
+                      </a:r>
+                    </a:p>
+                    <a:p>
+                      <a:r>
+                        <a:rPr lang="en-GB" sz="1400" dirty="0"/>
+                        <a:t>27 indicators </a:t>
+                      </a:r>
+                    </a:p>
+                  </a:txBody>
+                  <a:tcPr/>
+                </a:tc>
+                <a:tc>
+                  <a:txBody>
+                    <a:bodyPr/>
+                    <a:lstStyle/>
+                    <a:p>
+                      <a:endParaRPr lang="en-GB" sz="1400" dirty="0"/>
+                    </a:p>
+                    <a:p>
+                      <a:r>
+                        <a:rPr lang="en-GB" sz="1400" dirty="0"/>
+                        <a:t>3 indicators </a:t>
+                      </a:r>
+                    </a:p>
+                  </a:txBody>
+                  <a:tcPr/>
+                </a:tc>
+                <a:tc>
+                  <a:txBody>
+                    <a:bodyPr/>
+                    <a:lstStyle/>
+                    <a:p>
+                      <a:endParaRPr lang="en-GB" sz="1400" dirty="0"/>
+                    </a:p>
+                    <a:p>
+                      <a:r>
+                        <a:rPr lang="en-GB" sz="1400" dirty="0"/>
+                        <a:t>3 indicators </a:t>
+                      </a:r>
+                    </a:p>
+                  </a:txBody>
+                  <a:tcPr/>
+                </a:tc>
+                <a:tc>
+                  <a:txBody>
+                    <a:bodyPr/>
+                    <a:lstStyle/>
+                    <a:p>
+                      <a:endParaRPr lang="en-GB" sz="1400" dirty="0"/>
+                    </a:p>
+                    <a:p>
+                      <a:r>
+                        <a:rPr lang="en-GB" sz="1400" dirty="0"/>
+                        <a:t>3 indicators</a:t>
+                      </a:r>
+                    </a:p>
+                  </a:txBody>
+                  <a:tcPr/>
+                </a:tc>
+                <a:tc>
+                  <a:txBody>
+                    <a:bodyPr/>
+                    <a:lstStyle/>
+                    <a:p>
+                      <a:endParaRPr lang="en-GB" sz="1400" dirty="0"/>
+                    </a:p>
+                    <a:p>
+                      <a:r>
+                        <a:rPr lang="en-GB" sz="1400" dirty="0"/>
+                        <a:t>6 indicators </a:t>
+                      </a:r>
+                    </a:p>
+                  </a:txBody>
+                  <a:tcPr/>
+                </a:tc>
+                <a:tc>
+                  <a:txBody>
+                    <a:bodyPr/>
+                    <a:lstStyle/>
+                    <a:p>
+                      <a:endParaRPr lang="en-GB" sz="1400" dirty="0"/>
+                    </a:p>
+                    <a:p>
+                      <a:r>
+                        <a:rPr lang="en-GB" sz="1400" dirty="0"/>
+                        <a:t>6 indicators </a:t>
+                      </a:r>
+                    </a:p>
+                  </a:txBody>
+                  <a:tcPr/>
+                </a:tc>
+                <a:extLst>
+                  <a:ext uri="{0D108BD9-81ED-4DB2-BD59-A6C34878D82A}">
+                    <a16:rowId xmlns:a16="http://schemas.microsoft.com/office/drawing/2014/main" val="1761721781"/>
+                  </a:ext>
+                </a:extLst>
+              </a:tr>
+            </a:tbl>
+          </a:graphicData>
+        </a:graphic>
+      </p:graphicFrame>
     </p:spTree>
     <p:extLst>
       <p:ext uri="{BB962C8B-B14F-4D97-AF65-F5344CB8AC3E}">
@@ -8125,121 +8468,6 @@
           <p:cNvPr id="2" name="Title 1">
             <a:extLst>
               <a:ext uri="{FF2B5EF4-FFF2-40B4-BE49-F238E27FC236}">
-                <a16:creationId xmlns:a16="http://schemas.microsoft.com/office/drawing/2014/main" id="{6F02FB01-586B-4BFB-9AA3-A42D753F5393}"/>
-              </a:ext>
-            </a:extLst>
-          </p:cNvPr>
-          <p:cNvSpPr>
-            <a:spLocks noGrp="1"/>
-          </p:cNvSpPr>
-          <p:nvPr>
-            <p:ph type="title"/>
-          </p:nvPr>
-        </p:nvSpPr>
-        <p:spPr/>
-        <p:txBody>
-          <a:bodyPr/>
-          <a:lstStyle/>
-          <a:p>
-            <a:r>
-              <a:rPr lang="en-GB" dirty="0"/>
-              <a:t>What is SEM?</a:t>
-            </a:r>
-          </a:p>
-        </p:txBody>
-      </p:sp>
-      <p:sp>
-        <p:nvSpPr>
-          <p:cNvPr id="3" name="Content Placeholder 2">
-            <a:extLst>
-              <a:ext uri="{FF2B5EF4-FFF2-40B4-BE49-F238E27FC236}">
-                <a16:creationId xmlns:a16="http://schemas.microsoft.com/office/drawing/2014/main" id="{1ECCFD03-B8AA-4923-879F-AC2ADCFFD939}"/>
-              </a:ext>
-            </a:extLst>
-          </p:cNvPr>
-          <p:cNvSpPr>
-            <a:spLocks noGrp="1"/>
-          </p:cNvSpPr>
-          <p:nvPr>
-            <p:ph idx="1"/>
-          </p:nvPr>
-        </p:nvSpPr>
-        <p:spPr/>
-        <p:txBody>
-          <a:bodyPr>
-            <a:normAutofit/>
-          </a:bodyPr>
-          <a:lstStyle/>
-          <a:p>
-            <a:r>
-              <a:rPr lang="en-GB" dirty="0"/>
-              <a:t>Structural equation modelling (SEM) is a series of statistical methods that allow complex relationships between one or more independent variables and one or more dependent variables.  </a:t>
-            </a:r>
-          </a:p>
-          <a:p>
-            <a:endParaRPr lang="en-GB" dirty="0"/>
-          </a:p>
-          <a:p>
-            <a:r>
-              <a:rPr lang="en-GB" dirty="0"/>
-              <a:t>The aim of SEM is to model the relationships between variables (rather than the scores of individual cases) in a way that fits empirical observations in a parsimonious manner.</a:t>
-            </a:r>
-          </a:p>
-          <a:p>
-            <a:endParaRPr lang="en-GB" dirty="0"/>
-          </a:p>
-          <a:p>
-            <a:r>
-              <a:rPr lang="en-GB" dirty="0"/>
-              <a:t>SEM is a confirmatory technique</a:t>
-            </a:r>
-          </a:p>
-          <a:p>
-            <a:pPr marL="0" indent="0">
-              <a:buNone/>
-            </a:pPr>
-            <a:r>
-              <a:rPr lang="en-GB" dirty="0"/>
-              <a:t> </a:t>
-            </a:r>
-          </a:p>
-        </p:txBody>
-      </p:sp>
-    </p:spTree>
-    <p:extLst>
-      <p:ext uri="{BB962C8B-B14F-4D97-AF65-F5344CB8AC3E}">
-        <p14:creationId xmlns:p14="http://schemas.microsoft.com/office/powerpoint/2010/main" val="2480622510"/>
-      </p:ext>
-    </p:extLst>
-  </p:cSld>
-  <p:clrMapOvr>
-    <a:masterClrMapping/>
-  </p:clrMapOvr>
-</p:sld>
-</file>
-
-<file path=ppt/slides/slide5.xml><?xml version="1.0" encoding="utf-8"?>
-<p:sld xmlns:a="http://schemas.openxmlformats.org/drawingml/2006/main" xmlns:r="http://schemas.openxmlformats.org/officeDocument/2006/relationships" xmlns:p="http://schemas.openxmlformats.org/presentationml/2006/main">
-  <p:cSld>
-    <p:spTree>
-      <p:nvGrpSpPr>
-        <p:cNvPr id="1" name=""/>
-        <p:cNvGrpSpPr/>
-        <p:nvPr/>
-      </p:nvGrpSpPr>
-      <p:grpSpPr>
-        <a:xfrm>
-          <a:off x="0" y="0"/>
-          <a:ext cx="0" cy="0"/>
-          <a:chOff x="0" y="0"/>
-          <a:chExt cx="0" cy="0"/>
-        </a:xfrm>
-      </p:grpSpPr>
-      <p:sp>
-        <p:nvSpPr>
-          <p:cNvPr id="2" name="Title 1">
-            <a:extLst>
-              <a:ext uri="{FF2B5EF4-FFF2-40B4-BE49-F238E27FC236}">
                 <a16:creationId xmlns:a16="http://schemas.microsoft.com/office/drawing/2014/main" id="{AFD2A14C-6448-475F-8C88-16119407E80E}"/>
               </a:ext>
             </a:extLst>
@@ -8258,7 +8486,7 @@
           <a:p>
             <a:r>
               <a:rPr lang="en-GB" dirty="0"/>
-              <a:t>SEM vs other common methods</a:t>
+              <a:t>What method can we use?</a:t>
             </a:r>
           </a:p>
         </p:txBody>
@@ -8278,14 +8506,14 @@
           <p:nvPr>
             <p:extLst>
               <p:ext uri="{D42A27DB-BD31-4B8C-83A1-F6EECF244321}">
-                <p14:modId xmlns:p14="http://schemas.microsoft.com/office/powerpoint/2010/main" val="4169873521"/>
+                <p14:modId xmlns:p14="http://schemas.microsoft.com/office/powerpoint/2010/main" val="2913270819"/>
               </p:ext>
             </p:extLst>
           </p:nvPr>
         </p:nvGraphicFramePr>
         <p:xfrm>
           <a:off x="311888" y="2408278"/>
-          <a:ext cx="11568224" cy="3970548"/>
+          <a:ext cx="11568224" cy="3707723"/>
         </p:xfrm>
         <a:graphic>
           <a:graphicData uri="http://schemas.openxmlformats.org/drawingml/2006/table">
@@ -8818,7 +9046,7 @@
                             <a:schemeClr val="tx1"/>
                           </a:solidFill>
                         </a:rPr>
-                        <a:t>Path analysis (structural model in SEM)</a:t>
+                        <a:t>Path analysis (part of SEM)</a:t>
                       </a:r>
                       <a:endParaRPr lang="en-GB" sz="2000" dirty="0"/>
                     </a:p>
@@ -8869,7 +9097,7 @@
                             <a:schemeClr val="tx1"/>
                           </a:solidFill>
                         </a:rPr>
-                        <a:t>Confirmatory Factor Analysis (measurement model in SEM)</a:t>
+                        <a:t>Confirmatory Factor Analysis (part of SEM)</a:t>
                       </a:r>
                       <a:endParaRPr lang="en-GB" sz="2000" dirty="0"/>
                     </a:p>
@@ -8915,7 +9143,7 @@
 </p:sld>
 </file>
 
-<file path=ppt/slides/slide6.xml><?xml version="1.0" encoding="utf-8"?>
+<file path=ppt/slides/slide5.xml><?xml version="1.0" encoding="utf-8"?>
 <p:sld xmlns:a="http://schemas.openxmlformats.org/drawingml/2006/main" xmlns:r="http://schemas.openxmlformats.org/officeDocument/2006/relationships" xmlns:p="http://schemas.openxmlformats.org/presentationml/2006/main">
   <p:cSld>
     <p:spTree>
@@ -8955,7 +9183,7 @@
           <a:p>
             <a:r>
               <a:rPr lang="en-GB" dirty="0"/>
-              <a:t>SEM vs Regression </a:t>
+              <a:t>Why not just regression? </a:t>
             </a:r>
           </a:p>
         </p:txBody>
@@ -8976,22 +9204,25 @@
             <p:ph idx="1"/>
           </p:nvPr>
         </p:nvSpPr>
-        <p:spPr/>
-        <p:txBody>
-          <a:bodyPr/>
+        <p:spPr>
+          <a:xfrm>
+            <a:off x="1914524" y="5848350"/>
+            <a:ext cx="9213723" cy="323850"/>
+          </a:xfrm>
+        </p:spPr>
+        <p:txBody>
+          <a:bodyPr>
+            <a:normAutofit fontScale="92500" lnSpcReduction="10000"/>
+          </a:bodyPr>
           <a:lstStyle/>
           <a:p>
-            <a:r>
-              <a:rPr lang="en-GB" altLang="en-US" dirty="0">
-                <a:solidFill>
-                  <a:schemeClr val="tx1"/>
-                </a:solidFill>
-              </a:rPr>
-              <a:t>Compare a graphical representation of a typical regression model (left) and a path analytical model (also known as the ‘structural’ part of SEM) (right): </a:t>
-            </a:r>
-          </a:p>
-          <a:p>
-            <a:endParaRPr lang="en-GB" dirty="0"/>
+            <a:pPr marL="0" indent="0">
+              <a:buNone/>
+            </a:pPr>
+            <a:r>
+              <a:rPr lang="en-GB" dirty="0"/>
+              <a:t>Regression                                                                                   SEM</a:t>
+            </a:r>
           </a:p>
         </p:txBody>
       </p:sp>
@@ -9024,7 +9255,7 @@
         </p:blipFill>
         <p:spPr bwMode="auto">
           <a:xfrm>
-            <a:off x="1347556" y="3429098"/>
+            <a:off x="1347555" y="2476598"/>
             <a:ext cx="4213489" cy="2812321"/>
           </a:xfrm>
           <a:prstGeom prst="rect">
@@ -9084,7 +9315,7 @@
         </p:blipFill>
         <p:spPr bwMode="auto">
           <a:xfrm>
-            <a:off x="6630957" y="3169508"/>
+            <a:off x="6630958" y="2281464"/>
             <a:ext cx="4854701" cy="3007455"/>
           </a:xfrm>
           <a:prstGeom prst="rect">
@@ -9128,7 +9359,7 @@
 </p:sld>
 </file>
 
-<file path=ppt/slides/slide7.xml><?xml version="1.0" encoding="utf-8"?>
+<file path=ppt/slides/slide6.xml><?xml version="1.0" encoding="utf-8"?>
 <p:sld xmlns:a="http://schemas.openxmlformats.org/drawingml/2006/main" xmlns:r="http://schemas.openxmlformats.org/officeDocument/2006/relationships" xmlns:p="http://schemas.openxmlformats.org/presentationml/2006/main">
   <p:cSld>
     <p:spTree>
@@ -9168,7 +9399,7 @@
           <a:p>
             <a:r>
               <a:rPr lang="en-GB" dirty="0"/>
-              <a:t>SEM vs Regression</a:t>
+              <a:t>Why not just regression?</a:t>
             </a:r>
           </a:p>
         </p:txBody>
@@ -9621,6 +9852,121 @@
 </p:sld>
 </file>
 
+<file path=ppt/slides/slide7.xml><?xml version="1.0" encoding="utf-8"?>
+<p:sld xmlns:a="http://schemas.openxmlformats.org/drawingml/2006/main" xmlns:r="http://schemas.openxmlformats.org/officeDocument/2006/relationships" xmlns:p="http://schemas.openxmlformats.org/presentationml/2006/main">
+  <p:cSld>
+    <p:spTree>
+      <p:nvGrpSpPr>
+        <p:cNvPr id="1" name=""/>
+        <p:cNvGrpSpPr/>
+        <p:nvPr/>
+      </p:nvGrpSpPr>
+      <p:grpSpPr>
+        <a:xfrm>
+          <a:off x="0" y="0"/>
+          <a:ext cx="0" cy="0"/>
+          <a:chOff x="0" y="0"/>
+          <a:chExt cx="0" cy="0"/>
+        </a:xfrm>
+      </p:grpSpPr>
+      <p:sp>
+        <p:nvSpPr>
+          <p:cNvPr id="2" name="Title 1">
+            <a:extLst>
+              <a:ext uri="{FF2B5EF4-FFF2-40B4-BE49-F238E27FC236}">
+                <a16:creationId xmlns:a16="http://schemas.microsoft.com/office/drawing/2014/main" id="{6F02FB01-586B-4BFB-9AA3-A42D753F5393}"/>
+              </a:ext>
+            </a:extLst>
+          </p:cNvPr>
+          <p:cNvSpPr>
+            <a:spLocks noGrp="1"/>
+          </p:cNvSpPr>
+          <p:nvPr>
+            <p:ph type="title"/>
+          </p:nvPr>
+        </p:nvSpPr>
+        <p:spPr/>
+        <p:txBody>
+          <a:bodyPr/>
+          <a:lstStyle/>
+          <a:p>
+            <a:r>
+              <a:rPr lang="en-GB" dirty="0"/>
+              <a:t>What is SEM?</a:t>
+            </a:r>
+          </a:p>
+        </p:txBody>
+      </p:sp>
+      <p:sp>
+        <p:nvSpPr>
+          <p:cNvPr id="3" name="Content Placeholder 2">
+            <a:extLst>
+              <a:ext uri="{FF2B5EF4-FFF2-40B4-BE49-F238E27FC236}">
+                <a16:creationId xmlns:a16="http://schemas.microsoft.com/office/drawing/2014/main" id="{1ECCFD03-B8AA-4923-879F-AC2ADCFFD939}"/>
+              </a:ext>
+            </a:extLst>
+          </p:cNvPr>
+          <p:cNvSpPr>
+            <a:spLocks noGrp="1"/>
+          </p:cNvSpPr>
+          <p:nvPr>
+            <p:ph idx="1"/>
+          </p:nvPr>
+        </p:nvSpPr>
+        <p:spPr/>
+        <p:txBody>
+          <a:bodyPr>
+            <a:normAutofit/>
+          </a:bodyPr>
+          <a:lstStyle/>
+          <a:p>
+            <a:r>
+              <a:rPr lang="en-GB" dirty="0"/>
+              <a:t>Structural equation modelling (SEM) is a series of statistical methods that allow complex relationships between one or more independent variables and one or more dependent variables.  </a:t>
+            </a:r>
+          </a:p>
+          <a:p>
+            <a:endParaRPr lang="en-GB" dirty="0"/>
+          </a:p>
+          <a:p>
+            <a:r>
+              <a:rPr lang="en-GB" dirty="0"/>
+              <a:t>The aim of SEM is to model the relationships between variables (rather than the scores of individual cases) in a way that fits empirical observations in a parsimonious manner.</a:t>
+            </a:r>
+          </a:p>
+          <a:p>
+            <a:endParaRPr lang="en-GB" dirty="0"/>
+          </a:p>
+          <a:p>
+            <a:r>
+              <a:rPr lang="en-GB" dirty="0"/>
+              <a:t>SEM is a confirmatory technique</a:t>
+            </a:r>
+          </a:p>
+          <a:p>
+            <a:pPr marL="0" indent="0">
+              <a:buNone/>
+            </a:pPr>
+            <a:r>
+              <a:rPr lang="en-GB" dirty="0"/>
+              <a:t> </a:t>
+            </a:r>
+          </a:p>
+        </p:txBody>
+      </p:sp>
+    </p:spTree>
+    <p:extLst>
+      <p:ext uri="{BB962C8B-B14F-4D97-AF65-F5344CB8AC3E}">
+        <p14:creationId xmlns:p14="http://schemas.microsoft.com/office/powerpoint/2010/main" val="2480622510"/>
+      </p:ext>
+    </p:extLst>
+  </p:cSld>
+  <p:clrMapOvr>
+    <a:masterClrMapping/>
+  </p:clrMapOvr>
+</p:sld>
+</file>
+
 <file path=ppt/slides/slide8.xml><?xml version="1.0" encoding="utf-8"?>
 <p:sld xmlns:a="http://schemas.openxmlformats.org/drawingml/2006/main" xmlns:r="http://schemas.openxmlformats.org/officeDocument/2006/relationships" xmlns:p="http://schemas.openxmlformats.org/presentationml/2006/main">
   <p:cSld>
@@ -9811,8 +10157,8 @@
         </p:nvSpPr>
         <p:spPr>
           <a:xfrm>
-            <a:off x="1069848" y="2121408"/>
-            <a:ext cx="6978777" cy="4050792"/>
+            <a:off x="1069848" y="2624866"/>
+            <a:ext cx="6978777" cy="3547334"/>
           </a:xfrm>
         </p:spPr>
         <p:txBody>
@@ -9822,16 +10168,22 @@
           <a:lstStyle/>
           <a:p>
             <a:pPr marL="914400" lvl="1" indent="-457200">
+              <a:lnSpc>
+                <a:spcPct val="150000"/>
+              </a:lnSpc>
               <a:buFont typeface="+mj-lt"/>
               <a:buAutoNum type="arabicPeriod"/>
             </a:pPr>
             <a:r>
               <a:rPr lang="en-GB" dirty="0"/>
-              <a:t>Sufficient sample size </a:t>
+              <a:t>Sufficient sample size (but how much is enough?)</a:t>
             </a:r>
           </a:p>
           <a:p>
             <a:pPr marL="914400" lvl="1" indent="-457200">
+              <a:lnSpc>
+                <a:spcPct val="150000"/>
+              </a:lnSpc>
               <a:buFont typeface="+mj-lt"/>
               <a:buAutoNum type="arabicPeriod"/>
             </a:pPr>
@@ -9842,16 +10194,22 @@
           </a:p>
           <a:p>
             <a:pPr marL="914400" lvl="1" indent="-457200">
+              <a:lnSpc>
+                <a:spcPct val="150000"/>
+              </a:lnSpc>
               <a:buFont typeface="+mj-lt"/>
               <a:buAutoNum type="arabicPeriod"/>
             </a:pPr>
             <a:r>
               <a:rPr lang="en-GB" dirty="0"/>
-              <a:t>Observations are drawn from a continuous and multivariate normal population (?)</a:t>
+              <a:t>Observations are drawn from a continuous and multivariate normal population (always?)</a:t>
             </a:r>
           </a:p>
           <a:p>
             <a:pPr marL="914400" lvl="1" indent="-457200">
+              <a:lnSpc>
+                <a:spcPct val="150000"/>
+              </a:lnSpc>
               <a:buFont typeface="+mj-lt"/>
               <a:buAutoNum type="arabicPeriod"/>
             </a:pPr>
@@ -9862,16 +10220,22 @@
           </a:p>
           <a:p>
             <a:pPr marL="914400" lvl="1" indent="-457200">
+              <a:lnSpc>
+                <a:spcPct val="150000"/>
+              </a:lnSpc>
               <a:buFont typeface="+mj-lt"/>
               <a:buAutoNum type="arabicPeriod"/>
             </a:pPr>
             <a:r>
               <a:rPr lang="en-GB" dirty="0"/>
-              <a:t>No outliers </a:t>
+              <a:t>No influential outliers </a:t>
             </a:r>
           </a:p>
           <a:p>
             <a:pPr marL="914400" lvl="1" indent="-457200">
+              <a:lnSpc>
+                <a:spcPct val="150000"/>
+              </a:lnSpc>
               <a:buFont typeface="+mj-lt"/>
               <a:buAutoNum type="arabicPeriod"/>
             </a:pPr>
@@ -9893,7 +10257,7 @@
         </p:nvSpPr>
         <p:spPr>
           <a:xfrm>
-            <a:off x="8648700" y="2617851"/>
+            <a:off x="8444305" y="2019301"/>
             <a:ext cx="3295650" cy="2744724"/>
           </a:xfrm>
           <a:prstGeom prst="ellipse">
@@ -9902,15 +10266,15 @@
         </p:spPr>
         <p:style>
           <a:lnRef idx="2">
-            <a:schemeClr val="accent1">
+            <a:schemeClr val="accent5">
               <a:shade val="50000"/>
             </a:schemeClr>
           </a:lnRef>
           <a:fillRef idx="1">
-            <a:schemeClr val="accent1"/>
+            <a:schemeClr val="accent5"/>
           </a:fillRef>
           <a:effectRef idx="0">
-            <a:schemeClr val="accent1"/>
+            <a:schemeClr val="accent5"/>
           </a:effectRef>
           <a:fontRef idx="minor">
             <a:schemeClr val="lt1"/>

--- a/SEM_ppt.pptx
+++ b/SEM_ppt.pptx
@@ -132,7 +132,7 @@
 <file path=ppt/revisionInfo.xml><?xml version="1.0" encoding="utf-8"?>
 <p1510:revInfo xmlns:a="http://schemas.openxmlformats.org/drawingml/2006/main" xmlns:r="http://schemas.openxmlformats.org/officeDocument/2006/relationships" xmlns:p1510="http://schemas.microsoft.com/office/powerpoint/2015/10/main">
   <p1510:revLst>
-    <p1510:client id="{F4696407-824F-44E3-BADB-9714A8933337}" v="81" dt="2021-04-19T06:32:57.279"/>
+    <p1510:client id="{F4696407-824F-44E3-BADB-9714A8933337}" v="84" dt="2021-04-19T07:06:19.224"/>
   </p1510:revLst>
 </p1510:revInfo>
 </file>
@@ -142,7 +142,7 @@
   <pc:docChgLst>
     <pc:chgData name="Luis Torres-Retamal" userId="78590904-305b-421f-9aca-1a2173906a37" providerId="ADAL" clId="{F4696407-824F-44E3-BADB-9714A8933337}"/>
     <pc:docChg chg="undo custSel addSld delSld modSld sldOrd">
-      <pc:chgData name="Luis Torres-Retamal" userId="78590904-305b-421f-9aca-1a2173906a37" providerId="ADAL" clId="{F4696407-824F-44E3-BADB-9714A8933337}" dt="2021-04-19T07:01:53.176" v="4892" actId="14100"/>
+      <pc:chgData name="Luis Torres-Retamal" userId="78590904-305b-421f-9aca-1a2173906a37" providerId="ADAL" clId="{F4696407-824F-44E3-BADB-9714A8933337}" dt="2021-04-19T07:06:19.223" v="4989" actId="1076"/>
       <pc:docMkLst>
         <pc:docMk/>
       </pc:docMkLst>
@@ -802,7 +802,7 @@
         </pc:picChg>
       </pc:sldChg>
       <pc:sldChg chg="addSp delSp modSp new mod ord modClrScheme chgLayout">
-        <pc:chgData name="Luis Torres-Retamal" userId="78590904-305b-421f-9aca-1a2173906a37" providerId="ADAL" clId="{F4696407-824F-44E3-BADB-9714A8933337}" dt="2021-04-15T10:19:52.601" v="3045" actId="1076"/>
+        <pc:chgData name="Luis Torres-Retamal" userId="78590904-305b-421f-9aca-1a2173906a37" providerId="ADAL" clId="{F4696407-824F-44E3-BADB-9714A8933337}" dt="2021-04-19T07:06:19.223" v="4989" actId="1076"/>
         <pc:sldMkLst>
           <pc:docMk/>
           <pc:sldMk cId="3808080503" sldId="272"/>
@@ -824,7 +824,7 @@
           </ac:spMkLst>
         </pc:spChg>
         <pc:spChg chg="add mod ord">
-          <ac:chgData name="Luis Torres-Retamal" userId="78590904-305b-421f-9aca-1a2173906a37" providerId="ADAL" clId="{F4696407-824F-44E3-BADB-9714A8933337}" dt="2021-04-15T10:18:43.177" v="3028" actId="20577"/>
+          <ac:chgData name="Luis Torres-Retamal" userId="78590904-305b-421f-9aca-1a2173906a37" providerId="ADAL" clId="{F4696407-824F-44E3-BADB-9714A8933337}" dt="2021-04-19T07:06:16.044" v="4987" actId="20577"/>
           <ac:spMkLst>
             <pc:docMk/>
             <pc:sldMk cId="3808080503" sldId="272"/>
@@ -848,6 +848,14 @@
           </ac:spMkLst>
         </pc:spChg>
         <pc:spChg chg="add del mod">
+          <ac:chgData name="Luis Torres-Retamal" userId="78590904-305b-421f-9aca-1a2173906a37" providerId="ADAL" clId="{F4696407-824F-44E3-BADB-9714A8933337}" dt="2021-04-19T07:05:36.629" v="4895" actId="478"/>
+          <ac:spMkLst>
+            <pc:docMk/>
+            <pc:sldMk cId="3808080503" sldId="272"/>
+            <ac:spMk id="7" creationId="{AD44601A-A47D-4FC0-BF37-D4A5E048677F}"/>
+          </ac:spMkLst>
+        </pc:spChg>
+        <pc:spChg chg="add del mod">
           <ac:chgData name="Luis Torres-Retamal" userId="78590904-305b-421f-9aca-1a2173906a37" providerId="ADAL" clId="{F4696407-824F-44E3-BADB-9714A8933337}" dt="2021-04-15T10:19:27.656" v="3041" actId="478"/>
           <ac:spMkLst>
             <pc:docMk/>
@@ -880,7 +888,7 @@
           </ac:picMkLst>
         </pc:picChg>
         <pc:picChg chg="add mod">
-          <ac:chgData name="Luis Torres-Retamal" userId="78590904-305b-421f-9aca-1a2173906a37" providerId="ADAL" clId="{F4696407-824F-44E3-BADB-9714A8933337}" dt="2021-04-15T10:18:45.916" v="3030" actId="1076"/>
+          <ac:chgData name="Luis Torres-Retamal" userId="78590904-305b-421f-9aca-1a2173906a37" providerId="ADAL" clId="{F4696407-824F-44E3-BADB-9714A8933337}" dt="2021-04-19T07:06:19.223" v="4989" actId="1076"/>
           <ac:picMkLst>
             <pc:docMk/>
             <pc:sldMk cId="3808080503" sldId="272"/>
@@ -888,7 +896,7 @@
           </ac:picMkLst>
         </pc:picChg>
         <pc:picChg chg="add mod">
-          <ac:chgData name="Luis Torres-Retamal" userId="78590904-305b-421f-9aca-1a2173906a37" providerId="ADAL" clId="{F4696407-824F-44E3-BADB-9714A8933337}" dt="2021-04-15T10:19:52.601" v="3045" actId="1076"/>
+          <ac:chgData name="Luis Torres-Retamal" userId="78590904-305b-421f-9aca-1a2173906a37" providerId="ADAL" clId="{F4696407-824F-44E3-BADB-9714A8933337}" dt="2021-04-19T07:06:17.950" v="4988" actId="1076"/>
           <ac:picMkLst>
             <pc:docMk/>
             <pc:sldMk cId="3808080503" sldId="272"/>
@@ -6904,9 +6912,16 @@
             <p:ph sz="half" idx="1"/>
           </p:nvPr>
         </p:nvSpPr>
-        <p:spPr/>
-        <p:txBody>
-          <a:bodyPr/>
+        <p:spPr>
+          <a:xfrm>
+            <a:off x="1069847" y="2194560"/>
+            <a:ext cx="6955357" cy="3977640"/>
+          </a:xfrm>
+        </p:spPr>
+        <p:txBody>
+          <a:bodyPr>
+            <a:normAutofit/>
+          </a:bodyPr>
           <a:lstStyle/>
           <a:p>
             <a:r>
@@ -6943,6 +6958,34 @@
                 <a:hlinkClick r:id="rId3"/>
               </a:rPr>
               <a:t>https://www.rstudio.com/products/rstudio/download/</a:t>
+            </a:r>
+            <a:r>
+              <a:rPr lang="en-GB" dirty="0"/>
+              <a:t> </a:t>
+            </a:r>
+          </a:p>
+          <a:p>
+            <a:endParaRPr lang="en-GB" dirty="0"/>
+          </a:p>
+          <a:p>
+            <a:r>
+              <a:rPr lang="en-GB" dirty="0"/>
+              <a:t>Now, download the example code:</a:t>
+            </a:r>
+          </a:p>
+          <a:p>
+            <a:pPr marL="0" indent="0">
+              <a:buNone/>
+            </a:pPr>
+            <a:r>
+              <a:rPr lang="en-GB" dirty="0"/>
+              <a:t>  </a:t>
+            </a:r>
+            <a:r>
+              <a:rPr lang="en-GB" dirty="0">
+                <a:hlinkClick r:id="rId4"/>
+              </a:rPr>
+              <a:t>https://github.com/luistorresr/SEM_example</a:t>
             </a:r>
             <a:r>
               <a:rPr lang="en-GB" dirty="0"/>
@@ -6966,7 +7009,7 @@
           <p:nvPr/>
         </p:nvPicPr>
         <p:blipFill>
-          <a:blip r:embed="rId4">
+          <a:blip r:embed="rId5">
             <a:extLst>
               <a:ext uri="{28A0092B-C50C-407E-A947-70E740481C1C}">
                 <a14:useLocalDpi xmlns:a14="http://schemas.microsoft.com/office/drawing/2010/main" val="0"/>
@@ -6980,7 +7023,7 @@
         </p:blipFill>
         <p:spPr bwMode="auto">
           <a:xfrm>
-            <a:off x="6800850" y="1979676"/>
+            <a:off x="8683439" y="1962307"/>
             <a:ext cx="1489095" cy="1154049"/>
           </a:xfrm>
           <a:prstGeom prst="rect">
@@ -7013,7 +7056,7 @@
           <p:nvPr/>
         </p:nvPicPr>
         <p:blipFill>
-          <a:blip r:embed="rId5">
+          <a:blip r:embed="rId6">
             <a:extLst>
               <a:ext uri="{28A0092B-C50C-407E-A947-70E740481C1C}">
                 <a14:useLocalDpi xmlns:a14="http://schemas.microsoft.com/office/drawing/2010/main" val="0"/>
@@ -7027,7 +7070,7 @@
         </p:blipFill>
         <p:spPr bwMode="auto">
           <a:xfrm>
-            <a:off x="6800850" y="4128040"/>
+            <a:off x="8597377" y="4138737"/>
             <a:ext cx="2853779" cy="1001458"/>
           </a:xfrm>
           <a:prstGeom prst="rect">
